--- a/doc/pre/CourseDB-Pre.pptx
+++ b/doc/pre/CourseDB-Pre.pptx
@@ -5,16 +5,17 @@
     <p:sldMasterId id="2147483648" r:id="rId1"/>
   </p:sldMasterIdLst>
   <p:notesMasterIdLst>
-    <p:notesMasterId r:id="rId9"/>
+    <p:notesMasterId r:id="rId4"/>
   </p:notesMasterIdLst>
   <p:sldIdLst>
-    <p:sldId id="256" r:id="rId2"/>
-    <p:sldId id="257" r:id="rId3"/>
-    <p:sldId id="263" r:id="rId4"/>
-    <p:sldId id="264" r:id="rId5"/>
-    <p:sldId id="265" r:id="rId6"/>
-    <p:sldId id="266" r:id="rId7"/>
-    <p:sldId id="267" r:id="rId8"/>
+    <p:sldId id="256" r:id="rId3"/>
+    <p:sldId id="257" r:id="rId5"/>
+    <p:sldId id="263" r:id="rId6"/>
+    <p:sldId id="264" r:id="rId7"/>
+    <p:sldId id="265" r:id="rId8"/>
+    <p:sldId id="266" r:id="rId9"/>
+    <p:sldId id="267" r:id="rId10"/>
+    <p:sldId id="268" r:id="rId11"/>
   </p:sldIdLst>
   <p:sldSz cx="12192000" cy="6858000"/>
   <p:notesSz cx="6858000" cy="9144000"/>
@@ -113,22 +114,6 @@
       </a:defRPr>
     </a:lvl9pPr>
   </p:defaultTextStyle>
-  <p:extLst>
-    <p:ext uri="{EFAFB233-063F-42B5-8137-9DF3F51BA10A}">
-      <p15:sldGuideLst xmlns:p15="http://schemas.microsoft.com/office/powerpoint/2012/main">
-        <p15:guide id="1" orient="horz" pos="2160">
-          <p15:clr>
-            <a:srgbClr val="A4A3A4"/>
-          </p15:clr>
-        </p15:guide>
-        <p15:guide id="2" pos="3840">
-          <p15:clr>
-            <a:srgbClr val="A4A3A4"/>
-          </p15:clr>
-        </p15:guide>
-      </p15:sldGuideLst>
-    </p:ext>
-  </p:extLst>
 </p:presentation>
 </file>
 
@@ -214,7 +199,6 @@
           <a:p>
             <a:fld id="{52E35255-DC58-41F1-937A-C0EEA0AEE515}" type="datetimeFigureOut">
               <a:rPr lang="zh-CN" altLang="en-US" smtClean="0"/>
-              <a:t>2020/6/2</a:t>
             </a:fld>
             <a:endParaRPr lang="zh-CN" altLang="en-US"/>
           </a:p>
@@ -281,6 +265,7 @@
               <a:rPr lang="zh-CN" altLang="en-US"/>
               <a:t>单击此处编辑母版文本样式</a:t>
             </a:r>
+            <a:endParaRPr lang="zh-CN" altLang="en-US"/>
           </a:p>
           <a:p>
             <a:pPr lvl="1"/>
@@ -288,6 +273,7 @@
               <a:rPr lang="zh-CN" altLang="en-US"/>
               <a:t>二级</a:t>
             </a:r>
+            <a:endParaRPr lang="zh-CN" altLang="en-US"/>
           </a:p>
           <a:p>
             <a:pPr lvl="2"/>
@@ -295,6 +281,7 @@
               <a:rPr lang="zh-CN" altLang="en-US"/>
               <a:t>三级</a:t>
             </a:r>
+            <a:endParaRPr lang="zh-CN" altLang="en-US"/>
           </a:p>
           <a:p>
             <a:pPr lvl="3"/>
@@ -302,6 +289,7 @@
               <a:rPr lang="zh-CN" altLang="en-US"/>
               <a:t>四级</a:t>
             </a:r>
+            <a:endParaRPr lang="zh-CN" altLang="en-US"/>
           </a:p>
           <a:p>
             <a:pPr lvl="4"/>
@@ -309,6 +297,7 @@
               <a:rPr lang="zh-CN" altLang="en-US"/>
               <a:t>五级</a:t>
             </a:r>
+            <a:endParaRPr lang="zh-CN" altLang="en-US"/>
           </a:p>
         </p:txBody>
       </p:sp>
@@ -372,7 +361,6 @@
           <a:p>
             <a:fld id="{2F11352E-2775-4414-BA18-9D851A8649AB}" type="slidenum">
               <a:rPr lang="zh-CN" altLang="en-US" smtClean="0"/>
-              <a:t>‹#›</a:t>
             </a:fld>
             <a:endParaRPr lang="zh-CN" altLang="en-US"/>
           </a:p>
@@ -485,6 +473,50 @@
         <p:cNvGrpSpPr/>
         <p:nvPr/>
       </p:nvGrpSpPr>
+      <p:grpSpPr/>
+      <p:sp>
+        <p:nvSpPr>
+          <p:cNvPr id="2" name="幻灯片图像占位符 1"/>
+          <p:cNvSpPr/>
+          <p:nvPr>
+            <p:ph type="sldImg" idx="2"/>
+          </p:nvPr>
+        </p:nvSpPr>
+        <p:spPr/>
+      </p:sp>
+      <p:sp>
+        <p:nvSpPr>
+          <p:cNvPr id="3" name="文本占位符 2"/>
+          <p:cNvSpPr/>
+          <p:nvPr>
+            <p:ph type="body" idx="3"/>
+          </p:nvPr>
+        </p:nvSpPr>
+        <p:spPr/>
+        <p:txBody>
+          <a:bodyPr/>
+          <a:p>
+            <a:endParaRPr lang="zh-CN" altLang="en-US"/>
+          </a:p>
+        </p:txBody>
+      </p:sp>
+    </p:spTree>
+  </p:cSld>
+  <p:clrMapOvr>
+    <a:masterClrMapping/>
+  </p:clrMapOvr>
+</p:notes>
+</file>
+
+<file path=ppt/notesSlides/notesSlide2.xml><?xml version="1.0" encoding="utf-8"?>
+<p:notes xmlns:a="http://schemas.openxmlformats.org/drawingml/2006/main" xmlns:r="http://schemas.openxmlformats.org/officeDocument/2006/relationships" xmlns:p="http://schemas.openxmlformats.org/presentationml/2006/main">
+  <p:cSld>
+    <p:spTree>
+      <p:nvGrpSpPr>
+        <p:cNvPr id="1" name=""/>
+        <p:cNvGrpSpPr/>
+        <p:nvPr/>
+      </p:nvGrpSpPr>
       <p:grpSpPr>
         <a:xfrm>
           <a:off x="0" y="0"/>
@@ -577,6 +609,7 @@
               <a:rPr lang="zh-CN" altLang="en-US"/>
               <a:t>单击此处编辑母版标题样式</a:t>
             </a:r>
+            <a:endParaRPr lang="zh-CN" altLang="en-US"/>
           </a:p>
         </p:txBody>
       </p:sp>
@@ -641,6 +674,7 @@
               <a:rPr lang="zh-CN" altLang="en-US"/>
               <a:t>单击此处编辑母版副标题样式</a:t>
             </a:r>
+            <a:endParaRPr lang="zh-CN" altLang="en-US"/>
           </a:p>
         </p:txBody>
       </p:sp>
@@ -661,7 +695,6 @@
           <a:p>
             <a:fld id="{38B8FBFA-39E4-4CE7-B7D8-7FE34A96DA87}" type="datetimeFigureOut">
               <a:rPr lang="zh-CN" altLang="en-US" smtClean="0"/>
-              <a:t>2020/6/2</a:t>
             </a:fld>
             <a:endParaRPr lang="zh-CN" altLang="en-US"/>
           </a:p>
@@ -703,7 +736,6 @@
           <a:p>
             <a:fld id="{732D3DC4-BDD5-4D0F-AE2D-CF04EEA0D1F9}" type="slidenum">
               <a:rPr lang="zh-CN" altLang="en-US" smtClean="0"/>
-              <a:t>‹#›</a:t>
             </a:fld>
             <a:endParaRPr lang="zh-CN" altLang="en-US"/>
           </a:p>
@@ -753,6 +785,7 @@
               <a:rPr lang="zh-CN" altLang="en-US"/>
               <a:t>单击此处编辑母版标题样式</a:t>
             </a:r>
+            <a:endParaRPr lang="zh-CN" altLang="en-US"/>
           </a:p>
         </p:txBody>
       </p:sp>
@@ -776,6 +809,7 @@
               <a:rPr lang="zh-CN" altLang="en-US"/>
               <a:t>单击此处编辑母版文本样式</a:t>
             </a:r>
+            <a:endParaRPr lang="zh-CN" altLang="en-US"/>
           </a:p>
           <a:p>
             <a:pPr lvl="1"/>
@@ -783,6 +817,7 @@
               <a:rPr lang="zh-CN" altLang="en-US"/>
               <a:t>二级</a:t>
             </a:r>
+            <a:endParaRPr lang="zh-CN" altLang="en-US"/>
           </a:p>
           <a:p>
             <a:pPr lvl="2"/>
@@ -790,6 +825,7 @@
               <a:rPr lang="zh-CN" altLang="en-US"/>
               <a:t>三级</a:t>
             </a:r>
+            <a:endParaRPr lang="zh-CN" altLang="en-US"/>
           </a:p>
           <a:p>
             <a:pPr lvl="3"/>
@@ -797,6 +833,7 @@
               <a:rPr lang="zh-CN" altLang="en-US"/>
               <a:t>四级</a:t>
             </a:r>
+            <a:endParaRPr lang="zh-CN" altLang="en-US"/>
           </a:p>
           <a:p>
             <a:pPr lvl="4"/>
@@ -804,6 +841,7 @@
               <a:rPr lang="zh-CN" altLang="en-US"/>
               <a:t>五级</a:t>
             </a:r>
+            <a:endParaRPr lang="zh-CN" altLang="en-US"/>
           </a:p>
         </p:txBody>
       </p:sp>
@@ -824,7 +862,6 @@
           <a:p>
             <a:fld id="{38B8FBFA-39E4-4CE7-B7D8-7FE34A96DA87}" type="datetimeFigureOut">
               <a:rPr lang="zh-CN" altLang="en-US" smtClean="0"/>
-              <a:t>2020/6/2</a:t>
             </a:fld>
             <a:endParaRPr lang="zh-CN" altLang="en-US"/>
           </a:p>
@@ -866,7 +903,6 @@
           <a:p>
             <a:fld id="{732D3DC4-BDD5-4D0F-AE2D-CF04EEA0D1F9}" type="slidenum">
               <a:rPr lang="zh-CN" altLang="en-US" smtClean="0"/>
-              <a:t>‹#›</a:t>
             </a:fld>
             <a:endParaRPr lang="zh-CN" altLang="en-US"/>
           </a:p>
@@ -921,6 +957,7 @@
               <a:rPr lang="zh-CN" altLang="en-US"/>
               <a:t>单击此处编辑母版标题样式</a:t>
             </a:r>
+            <a:endParaRPr lang="zh-CN" altLang="en-US"/>
           </a:p>
         </p:txBody>
       </p:sp>
@@ -949,6 +986,7 @@
               <a:rPr lang="zh-CN" altLang="en-US"/>
               <a:t>单击此处编辑母版文本样式</a:t>
             </a:r>
+            <a:endParaRPr lang="zh-CN" altLang="en-US"/>
           </a:p>
           <a:p>
             <a:pPr lvl="1"/>
@@ -956,6 +994,7 @@
               <a:rPr lang="zh-CN" altLang="en-US"/>
               <a:t>二级</a:t>
             </a:r>
+            <a:endParaRPr lang="zh-CN" altLang="en-US"/>
           </a:p>
           <a:p>
             <a:pPr lvl="2"/>
@@ -963,6 +1002,7 @@
               <a:rPr lang="zh-CN" altLang="en-US"/>
               <a:t>三级</a:t>
             </a:r>
+            <a:endParaRPr lang="zh-CN" altLang="en-US"/>
           </a:p>
           <a:p>
             <a:pPr lvl="3"/>
@@ -970,6 +1010,7 @@
               <a:rPr lang="zh-CN" altLang="en-US"/>
               <a:t>四级</a:t>
             </a:r>
+            <a:endParaRPr lang="zh-CN" altLang="en-US"/>
           </a:p>
           <a:p>
             <a:pPr lvl="4"/>
@@ -977,6 +1018,7 @@
               <a:rPr lang="zh-CN" altLang="en-US"/>
               <a:t>五级</a:t>
             </a:r>
+            <a:endParaRPr lang="zh-CN" altLang="en-US"/>
           </a:p>
         </p:txBody>
       </p:sp>
@@ -997,7 +1039,6 @@
           <a:p>
             <a:fld id="{38B8FBFA-39E4-4CE7-B7D8-7FE34A96DA87}" type="datetimeFigureOut">
               <a:rPr lang="zh-CN" altLang="en-US" smtClean="0"/>
-              <a:t>2020/6/2</a:t>
             </a:fld>
             <a:endParaRPr lang="zh-CN" altLang="en-US"/>
           </a:p>
@@ -1039,7 +1080,6 @@
           <a:p>
             <a:fld id="{732D3DC4-BDD5-4D0F-AE2D-CF04EEA0D1F9}" type="slidenum">
               <a:rPr lang="zh-CN" altLang="en-US" smtClean="0"/>
-              <a:t>‹#›</a:t>
             </a:fld>
             <a:endParaRPr lang="zh-CN" altLang="en-US"/>
           </a:p>
@@ -1089,6 +1129,7 @@
               <a:rPr lang="zh-CN" altLang="en-US"/>
               <a:t>单击此处编辑母版标题样式</a:t>
             </a:r>
+            <a:endParaRPr lang="zh-CN" altLang="en-US"/>
           </a:p>
         </p:txBody>
       </p:sp>
@@ -1112,6 +1153,7 @@
               <a:rPr lang="zh-CN" altLang="en-US"/>
               <a:t>单击此处编辑母版文本样式</a:t>
             </a:r>
+            <a:endParaRPr lang="zh-CN" altLang="en-US"/>
           </a:p>
           <a:p>
             <a:pPr lvl="1"/>
@@ -1119,6 +1161,7 @@
               <a:rPr lang="zh-CN" altLang="en-US"/>
               <a:t>二级</a:t>
             </a:r>
+            <a:endParaRPr lang="zh-CN" altLang="en-US"/>
           </a:p>
           <a:p>
             <a:pPr lvl="2"/>
@@ -1126,6 +1169,7 @@
               <a:rPr lang="zh-CN" altLang="en-US"/>
               <a:t>三级</a:t>
             </a:r>
+            <a:endParaRPr lang="zh-CN" altLang="en-US"/>
           </a:p>
           <a:p>
             <a:pPr lvl="3"/>
@@ -1133,6 +1177,7 @@
               <a:rPr lang="zh-CN" altLang="en-US"/>
               <a:t>四级</a:t>
             </a:r>
+            <a:endParaRPr lang="zh-CN" altLang="en-US"/>
           </a:p>
           <a:p>
             <a:pPr lvl="4"/>
@@ -1140,6 +1185,7 @@
               <a:rPr lang="zh-CN" altLang="en-US"/>
               <a:t>五级</a:t>
             </a:r>
+            <a:endParaRPr lang="zh-CN" altLang="en-US"/>
           </a:p>
         </p:txBody>
       </p:sp>
@@ -1160,7 +1206,6 @@
           <a:p>
             <a:fld id="{38B8FBFA-39E4-4CE7-B7D8-7FE34A96DA87}" type="datetimeFigureOut">
               <a:rPr lang="zh-CN" altLang="en-US" smtClean="0"/>
-              <a:t>2020/6/2</a:t>
             </a:fld>
             <a:endParaRPr lang="zh-CN" altLang="en-US"/>
           </a:p>
@@ -1202,7 +1247,6 @@
           <a:p>
             <a:fld id="{732D3DC4-BDD5-4D0F-AE2D-CF04EEA0D1F9}" type="slidenum">
               <a:rPr lang="zh-CN" altLang="en-US" smtClean="0"/>
-              <a:t>‹#›</a:t>
             </a:fld>
             <a:endParaRPr lang="zh-CN" altLang="en-US"/>
           </a:p>
@@ -1261,6 +1305,7 @@
               <a:rPr lang="zh-CN" altLang="en-US"/>
               <a:t>单击此处编辑母版标题样式</a:t>
             </a:r>
+            <a:endParaRPr lang="zh-CN" altLang="en-US"/>
           </a:p>
         </p:txBody>
       </p:sp>
@@ -1380,6 +1425,7 @@
               <a:rPr lang="zh-CN" altLang="en-US"/>
               <a:t>单击此处编辑母版文本样式</a:t>
             </a:r>
+            <a:endParaRPr lang="zh-CN" altLang="en-US"/>
           </a:p>
         </p:txBody>
       </p:sp>
@@ -1400,7 +1446,6 @@
           <a:p>
             <a:fld id="{38B8FBFA-39E4-4CE7-B7D8-7FE34A96DA87}" type="datetimeFigureOut">
               <a:rPr lang="zh-CN" altLang="en-US" smtClean="0"/>
-              <a:t>2020/6/2</a:t>
             </a:fld>
             <a:endParaRPr lang="zh-CN" altLang="en-US"/>
           </a:p>
@@ -1442,7 +1487,6 @@
           <a:p>
             <a:fld id="{732D3DC4-BDD5-4D0F-AE2D-CF04EEA0D1F9}" type="slidenum">
               <a:rPr lang="zh-CN" altLang="en-US" smtClean="0"/>
-              <a:t>‹#›</a:t>
             </a:fld>
             <a:endParaRPr lang="zh-CN" altLang="en-US"/>
           </a:p>
@@ -1492,6 +1536,7 @@
               <a:rPr lang="zh-CN" altLang="en-US"/>
               <a:t>单击此处编辑母版标题样式</a:t>
             </a:r>
+            <a:endParaRPr lang="zh-CN" altLang="en-US"/>
           </a:p>
         </p:txBody>
       </p:sp>
@@ -1520,6 +1565,7 @@
               <a:rPr lang="zh-CN" altLang="en-US"/>
               <a:t>单击此处编辑母版文本样式</a:t>
             </a:r>
+            <a:endParaRPr lang="zh-CN" altLang="en-US"/>
           </a:p>
           <a:p>
             <a:pPr lvl="1"/>
@@ -1527,6 +1573,7 @@
               <a:rPr lang="zh-CN" altLang="en-US"/>
               <a:t>二级</a:t>
             </a:r>
+            <a:endParaRPr lang="zh-CN" altLang="en-US"/>
           </a:p>
           <a:p>
             <a:pPr lvl="2"/>
@@ -1534,6 +1581,7 @@
               <a:rPr lang="zh-CN" altLang="en-US"/>
               <a:t>三级</a:t>
             </a:r>
+            <a:endParaRPr lang="zh-CN" altLang="en-US"/>
           </a:p>
           <a:p>
             <a:pPr lvl="3"/>
@@ -1541,6 +1589,7 @@
               <a:rPr lang="zh-CN" altLang="en-US"/>
               <a:t>四级</a:t>
             </a:r>
+            <a:endParaRPr lang="zh-CN" altLang="en-US"/>
           </a:p>
           <a:p>
             <a:pPr lvl="4"/>
@@ -1548,6 +1597,7 @@
               <a:rPr lang="zh-CN" altLang="en-US"/>
               <a:t>五级</a:t>
             </a:r>
+            <a:endParaRPr lang="zh-CN" altLang="en-US"/>
           </a:p>
         </p:txBody>
       </p:sp>
@@ -1576,6 +1626,7 @@
               <a:rPr lang="zh-CN" altLang="en-US"/>
               <a:t>单击此处编辑母版文本样式</a:t>
             </a:r>
+            <a:endParaRPr lang="zh-CN" altLang="en-US"/>
           </a:p>
           <a:p>
             <a:pPr lvl="1"/>
@@ -1583,6 +1634,7 @@
               <a:rPr lang="zh-CN" altLang="en-US"/>
               <a:t>二级</a:t>
             </a:r>
+            <a:endParaRPr lang="zh-CN" altLang="en-US"/>
           </a:p>
           <a:p>
             <a:pPr lvl="2"/>
@@ -1590,6 +1642,7 @@
               <a:rPr lang="zh-CN" altLang="en-US"/>
               <a:t>三级</a:t>
             </a:r>
+            <a:endParaRPr lang="zh-CN" altLang="en-US"/>
           </a:p>
           <a:p>
             <a:pPr lvl="3"/>
@@ -1597,6 +1650,7 @@
               <a:rPr lang="zh-CN" altLang="en-US"/>
               <a:t>四级</a:t>
             </a:r>
+            <a:endParaRPr lang="zh-CN" altLang="en-US"/>
           </a:p>
           <a:p>
             <a:pPr lvl="4"/>
@@ -1604,6 +1658,7 @@
               <a:rPr lang="zh-CN" altLang="en-US"/>
               <a:t>五级</a:t>
             </a:r>
+            <a:endParaRPr lang="zh-CN" altLang="en-US"/>
           </a:p>
         </p:txBody>
       </p:sp>
@@ -1624,7 +1679,6 @@
           <a:p>
             <a:fld id="{38B8FBFA-39E4-4CE7-B7D8-7FE34A96DA87}" type="datetimeFigureOut">
               <a:rPr lang="zh-CN" altLang="en-US" smtClean="0"/>
-              <a:t>2020/6/2</a:t>
             </a:fld>
             <a:endParaRPr lang="zh-CN" altLang="en-US"/>
           </a:p>
@@ -1666,7 +1720,6 @@
           <a:p>
             <a:fld id="{732D3DC4-BDD5-4D0F-AE2D-CF04EEA0D1F9}" type="slidenum">
               <a:rPr lang="zh-CN" altLang="en-US" smtClean="0"/>
-              <a:t>‹#›</a:t>
             </a:fld>
             <a:endParaRPr lang="zh-CN" altLang="en-US"/>
           </a:p>
@@ -1721,6 +1774,7 @@
               <a:rPr lang="zh-CN" altLang="en-US"/>
               <a:t>单击此处编辑母版标题样式</a:t>
             </a:r>
+            <a:endParaRPr lang="zh-CN" altLang="en-US"/>
           </a:p>
         </p:txBody>
       </p:sp>
@@ -1786,6 +1840,7 @@
               <a:rPr lang="zh-CN" altLang="en-US"/>
               <a:t>单击此处编辑母版文本样式</a:t>
             </a:r>
+            <a:endParaRPr lang="zh-CN" altLang="en-US"/>
           </a:p>
         </p:txBody>
       </p:sp>
@@ -1814,6 +1869,7 @@
               <a:rPr lang="zh-CN" altLang="en-US"/>
               <a:t>单击此处编辑母版文本样式</a:t>
             </a:r>
+            <a:endParaRPr lang="zh-CN" altLang="en-US"/>
           </a:p>
           <a:p>
             <a:pPr lvl="1"/>
@@ -1821,6 +1877,7 @@
               <a:rPr lang="zh-CN" altLang="en-US"/>
               <a:t>二级</a:t>
             </a:r>
+            <a:endParaRPr lang="zh-CN" altLang="en-US"/>
           </a:p>
           <a:p>
             <a:pPr lvl="2"/>
@@ -1828,6 +1885,7 @@
               <a:rPr lang="zh-CN" altLang="en-US"/>
               <a:t>三级</a:t>
             </a:r>
+            <a:endParaRPr lang="zh-CN" altLang="en-US"/>
           </a:p>
           <a:p>
             <a:pPr lvl="3"/>
@@ -1835,6 +1893,7 @@
               <a:rPr lang="zh-CN" altLang="en-US"/>
               <a:t>四级</a:t>
             </a:r>
+            <a:endParaRPr lang="zh-CN" altLang="en-US"/>
           </a:p>
           <a:p>
             <a:pPr lvl="4"/>
@@ -1842,6 +1901,7 @@
               <a:rPr lang="zh-CN" altLang="en-US"/>
               <a:t>五级</a:t>
             </a:r>
+            <a:endParaRPr lang="zh-CN" altLang="en-US"/>
           </a:p>
         </p:txBody>
       </p:sp>
@@ -1907,6 +1967,7 @@
               <a:rPr lang="zh-CN" altLang="en-US"/>
               <a:t>单击此处编辑母版文本样式</a:t>
             </a:r>
+            <a:endParaRPr lang="zh-CN" altLang="en-US"/>
           </a:p>
         </p:txBody>
       </p:sp>
@@ -1935,6 +1996,7 @@
               <a:rPr lang="zh-CN" altLang="en-US"/>
               <a:t>单击此处编辑母版文本样式</a:t>
             </a:r>
+            <a:endParaRPr lang="zh-CN" altLang="en-US"/>
           </a:p>
           <a:p>
             <a:pPr lvl="1"/>
@@ -1942,6 +2004,7 @@
               <a:rPr lang="zh-CN" altLang="en-US"/>
               <a:t>二级</a:t>
             </a:r>
+            <a:endParaRPr lang="zh-CN" altLang="en-US"/>
           </a:p>
           <a:p>
             <a:pPr lvl="2"/>
@@ -1949,6 +2012,7 @@
               <a:rPr lang="zh-CN" altLang="en-US"/>
               <a:t>三级</a:t>
             </a:r>
+            <a:endParaRPr lang="zh-CN" altLang="en-US"/>
           </a:p>
           <a:p>
             <a:pPr lvl="3"/>
@@ -1956,6 +2020,7 @@
               <a:rPr lang="zh-CN" altLang="en-US"/>
               <a:t>四级</a:t>
             </a:r>
+            <a:endParaRPr lang="zh-CN" altLang="en-US"/>
           </a:p>
           <a:p>
             <a:pPr lvl="4"/>
@@ -1963,6 +2028,7 @@
               <a:rPr lang="zh-CN" altLang="en-US"/>
               <a:t>五级</a:t>
             </a:r>
+            <a:endParaRPr lang="zh-CN" altLang="en-US"/>
           </a:p>
         </p:txBody>
       </p:sp>
@@ -1983,7 +2049,6 @@
           <a:p>
             <a:fld id="{38B8FBFA-39E4-4CE7-B7D8-7FE34A96DA87}" type="datetimeFigureOut">
               <a:rPr lang="zh-CN" altLang="en-US" smtClean="0"/>
-              <a:t>2020/6/2</a:t>
             </a:fld>
             <a:endParaRPr lang="zh-CN" altLang="en-US"/>
           </a:p>
@@ -2025,7 +2090,6 @@
           <a:p>
             <a:fld id="{732D3DC4-BDD5-4D0F-AE2D-CF04EEA0D1F9}" type="slidenum">
               <a:rPr lang="zh-CN" altLang="en-US" smtClean="0"/>
-              <a:t>‹#›</a:t>
             </a:fld>
             <a:endParaRPr lang="zh-CN" altLang="en-US"/>
           </a:p>
@@ -2075,6 +2139,7 @@
               <a:rPr lang="zh-CN" altLang="en-US"/>
               <a:t>单击此处编辑母版标题样式</a:t>
             </a:r>
+            <a:endParaRPr lang="zh-CN" altLang="en-US"/>
           </a:p>
         </p:txBody>
       </p:sp>
@@ -2095,7 +2160,6 @@
           <a:p>
             <a:fld id="{38B8FBFA-39E4-4CE7-B7D8-7FE34A96DA87}" type="datetimeFigureOut">
               <a:rPr lang="zh-CN" altLang="en-US" smtClean="0"/>
-              <a:t>2020/6/2</a:t>
             </a:fld>
             <a:endParaRPr lang="zh-CN" altLang="en-US"/>
           </a:p>
@@ -2137,7 +2201,6 @@
           <a:p>
             <a:fld id="{732D3DC4-BDD5-4D0F-AE2D-CF04EEA0D1F9}" type="slidenum">
               <a:rPr lang="zh-CN" altLang="en-US" smtClean="0"/>
-              <a:t>‹#›</a:t>
             </a:fld>
             <a:endParaRPr lang="zh-CN" altLang="en-US"/>
           </a:p>
@@ -2185,7 +2248,6 @@
           <a:p>
             <a:fld id="{38B8FBFA-39E4-4CE7-B7D8-7FE34A96DA87}" type="datetimeFigureOut">
               <a:rPr lang="zh-CN" altLang="en-US" smtClean="0"/>
-              <a:t>2020/6/2</a:t>
             </a:fld>
             <a:endParaRPr lang="zh-CN" altLang="en-US"/>
           </a:p>
@@ -2227,7 +2289,6 @@
           <a:p>
             <a:fld id="{732D3DC4-BDD5-4D0F-AE2D-CF04EEA0D1F9}" type="slidenum">
               <a:rPr lang="zh-CN" altLang="en-US" smtClean="0"/>
-              <a:t>‹#›</a:t>
             </a:fld>
             <a:endParaRPr lang="zh-CN" altLang="en-US"/>
           </a:p>
@@ -2286,6 +2347,7 @@
               <a:rPr lang="zh-CN" altLang="en-US"/>
               <a:t>单击此处编辑母版标题样式</a:t>
             </a:r>
+            <a:endParaRPr lang="zh-CN" altLang="en-US"/>
           </a:p>
         </p:txBody>
       </p:sp>
@@ -2342,6 +2404,7 @@
               <a:rPr lang="zh-CN" altLang="en-US"/>
               <a:t>单击此处编辑母版文本样式</a:t>
             </a:r>
+            <a:endParaRPr lang="zh-CN" altLang="en-US"/>
           </a:p>
           <a:p>
             <a:pPr lvl="1"/>
@@ -2349,6 +2412,7 @@
               <a:rPr lang="zh-CN" altLang="en-US"/>
               <a:t>二级</a:t>
             </a:r>
+            <a:endParaRPr lang="zh-CN" altLang="en-US"/>
           </a:p>
           <a:p>
             <a:pPr lvl="2"/>
@@ -2356,6 +2420,7 @@
               <a:rPr lang="zh-CN" altLang="en-US"/>
               <a:t>三级</a:t>
             </a:r>
+            <a:endParaRPr lang="zh-CN" altLang="en-US"/>
           </a:p>
           <a:p>
             <a:pPr lvl="3"/>
@@ -2363,6 +2428,7 @@
               <a:rPr lang="zh-CN" altLang="en-US"/>
               <a:t>四级</a:t>
             </a:r>
+            <a:endParaRPr lang="zh-CN" altLang="en-US"/>
           </a:p>
           <a:p>
             <a:pPr lvl="4"/>
@@ -2370,6 +2436,7 @@
               <a:rPr lang="zh-CN" altLang="en-US"/>
               <a:t>五级</a:t>
             </a:r>
+            <a:endParaRPr lang="zh-CN" altLang="en-US"/>
           </a:p>
         </p:txBody>
       </p:sp>
@@ -2435,6 +2502,7 @@
               <a:rPr lang="zh-CN" altLang="en-US"/>
               <a:t>单击此处编辑母版文本样式</a:t>
             </a:r>
+            <a:endParaRPr lang="zh-CN" altLang="en-US"/>
           </a:p>
         </p:txBody>
       </p:sp>
@@ -2455,7 +2523,6 @@
           <a:p>
             <a:fld id="{38B8FBFA-39E4-4CE7-B7D8-7FE34A96DA87}" type="datetimeFigureOut">
               <a:rPr lang="zh-CN" altLang="en-US" smtClean="0"/>
-              <a:t>2020/6/2</a:t>
             </a:fld>
             <a:endParaRPr lang="zh-CN" altLang="en-US"/>
           </a:p>
@@ -2497,7 +2564,6 @@
           <a:p>
             <a:fld id="{732D3DC4-BDD5-4D0F-AE2D-CF04EEA0D1F9}" type="slidenum">
               <a:rPr lang="zh-CN" altLang="en-US" smtClean="0"/>
-              <a:t>‹#›</a:t>
             </a:fld>
             <a:endParaRPr lang="zh-CN" altLang="en-US"/>
           </a:p>
@@ -2556,6 +2622,7 @@
               <a:rPr lang="zh-CN" altLang="en-US"/>
               <a:t>单击此处编辑母版标题样式</a:t>
             </a:r>
+            <a:endParaRPr lang="zh-CN" altLang="en-US"/>
           </a:p>
         </p:txBody>
       </p:sp>
@@ -2682,6 +2749,7 @@
               <a:rPr lang="zh-CN" altLang="en-US"/>
               <a:t>单击此处编辑母版文本样式</a:t>
             </a:r>
+            <a:endParaRPr lang="zh-CN" altLang="en-US"/>
           </a:p>
         </p:txBody>
       </p:sp>
@@ -2702,7 +2770,6 @@
           <a:p>
             <a:fld id="{38B8FBFA-39E4-4CE7-B7D8-7FE34A96DA87}" type="datetimeFigureOut">
               <a:rPr lang="zh-CN" altLang="en-US" smtClean="0"/>
-              <a:t>2020/6/2</a:t>
             </a:fld>
             <a:endParaRPr lang="zh-CN" altLang="en-US"/>
           </a:p>
@@ -2744,7 +2811,6 @@
           <a:p>
             <a:fld id="{732D3DC4-BDD5-4D0F-AE2D-CF04EEA0D1F9}" type="slidenum">
               <a:rPr lang="zh-CN" altLang="en-US" smtClean="0"/>
-              <a:t>‹#›</a:t>
             </a:fld>
             <a:endParaRPr lang="zh-CN" altLang="en-US"/>
           </a:p>
@@ -2764,7 +2830,7 @@
     <p:bg>
       <p:bgPr>
         <a:blipFill dpi="0" rotWithShape="1">
-          <a:blip r:embed="rId13">
+          <a:blip r:embed="rId12">
             <a:alphaModFix amt="63000"/>
             <a:lum/>
           </a:blip>
@@ -2817,6 +2883,7 @@
               <a:rPr lang="zh-CN" altLang="en-US"/>
               <a:t>单击此处编辑母版标题样式</a:t>
             </a:r>
+            <a:endParaRPr lang="zh-CN" altLang="en-US"/>
           </a:p>
         </p:txBody>
       </p:sp>
@@ -2850,6 +2917,7 @@
               <a:rPr lang="zh-CN" altLang="en-US"/>
               <a:t>单击此处编辑母版文本样式</a:t>
             </a:r>
+            <a:endParaRPr lang="zh-CN" altLang="en-US"/>
           </a:p>
           <a:p>
             <a:pPr lvl="1"/>
@@ -2857,6 +2925,7 @@
               <a:rPr lang="zh-CN" altLang="en-US"/>
               <a:t>二级</a:t>
             </a:r>
+            <a:endParaRPr lang="zh-CN" altLang="en-US"/>
           </a:p>
           <a:p>
             <a:pPr lvl="2"/>
@@ -2864,6 +2933,7 @@
               <a:rPr lang="zh-CN" altLang="en-US"/>
               <a:t>三级</a:t>
             </a:r>
+            <a:endParaRPr lang="zh-CN" altLang="en-US"/>
           </a:p>
           <a:p>
             <a:pPr lvl="3"/>
@@ -2871,6 +2941,7 @@
               <a:rPr lang="zh-CN" altLang="en-US"/>
               <a:t>四级</a:t>
             </a:r>
+            <a:endParaRPr lang="zh-CN" altLang="en-US"/>
           </a:p>
           <a:p>
             <a:pPr lvl="4"/>
@@ -2878,6 +2949,7 @@
               <a:rPr lang="zh-CN" altLang="en-US"/>
               <a:t>五级</a:t>
             </a:r>
+            <a:endParaRPr lang="zh-CN" altLang="en-US"/>
           </a:p>
         </p:txBody>
       </p:sp>
@@ -2916,7 +2988,6 @@
           <a:p>
             <a:fld id="{38B8FBFA-39E4-4CE7-B7D8-7FE34A96DA87}" type="datetimeFigureOut">
               <a:rPr lang="zh-CN" altLang="en-US" smtClean="0"/>
-              <a:t>2020/6/2</a:t>
             </a:fld>
             <a:endParaRPr lang="zh-CN" altLang="en-US"/>
           </a:p>
@@ -2994,7 +3065,6 @@
           <a:p>
             <a:fld id="{732D3DC4-BDD5-4D0F-AE2D-CF04EEA0D1F9}" type="slidenum">
               <a:rPr lang="zh-CN" altLang="en-US" smtClean="0"/>
-              <a:t>‹#›</a:t>
             </a:fld>
             <a:endParaRPr lang="zh-CN" altLang="en-US"/>
           </a:p>
@@ -3594,6 +3664,13 @@
               </a:rPr>
               <a:t>数据库课堂展示</a:t>
             </a:r>
+            <a:endParaRPr lang="zh-CN" altLang="en-US" sz="7200" dirty="0">
+              <a:solidFill>
+                <a:srgbClr val="3F3D56"/>
+              </a:solidFill>
+              <a:latin typeface="思源宋体 Heavy" panose="02020900000000000000" pitchFamily="18" charset="-122"/>
+              <a:ea typeface="思源宋体 Heavy" panose="02020900000000000000" pitchFamily="18" charset="-122"/>
+            </a:endParaRPr>
           </a:p>
         </p:txBody>
       </p:sp>
@@ -3676,6 +3753,13 @@
               </a:rPr>
               <a:t>郑炜熹 李胜涛 曾正</a:t>
             </a:r>
+            <a:endParaRPr lang="zh-CN" altLang="en-US" dirty="0">
+              <a:solidFill>
+                <a:schemeClr val="bg1"/>
+              </a:solidFill>
+              <a:latin typeface="思源宋体 Medium" panose="02020500000000000000" pitchFamily="18" charset="-122"/>
+              <a:ea typeface="思源宋体 Medium" panose="02020500000000000000" pitchFamily="18" charset="-122"/>
+            </a:endParaRPr>
           </a:p>
         </p:txBody>
       </p:sp>
@@ -3734,10 +3818,10 @@
           <p:nvPr/>
         </p:nvPicPr>
         <p:blipFill>
-          <a:blip r:embed="rId3">
+          <a:blip r:embed="rId1">
             <a:extLst>
               <a:ext uri="{96DAC541-7B7A-43D3-8B79-37D633B846F1}">
-                <asvg:svgBlip xmlns:asvg="http://schemas.microsoft.com/office/drawing/2016/SVG/main" r:embed="rId4"/>
+                <asvg:svgBlip xmlns:asvg="http://schemas.microsoft.com/office/drawing/2016/SVG/main" r:embed="rId2"/>
               </a:ext>
             </a:extLst>
           </a:blip>
@@ -3757,7 +3841,7 @@
       </p:pic>
     </p:spTree>
     <p:custDataLst>
-      <p:tags r:id="rId1"/>
+      <p:tags r:id="rId3"/>
     </p:custDataLst>
   </p:cSld>
   <p:clrMapOvr>
@@ -3912,6 +3996,13 @@
               </a:rPr>
               <a:t>演示目录</a:t>
             </a:r>
+            <a:endParaRPr lang="zh-CN" altLang="en-US" sz="6000" dirty="0">
+              <a:solidFill>
+                <a:schemeClr val="bg1"/>
+              </a:solidFill>
+              <a:latin typeface="思源宋体 Heavy" panose="02020900000000000000" pitchFamily="18" charset="-122"/>
+              <a:ea typeface="思源宋体 Heavy" panose="02020900000000000000" pitchFamily="18" charset="-122"/>
+            </a:endParaRPr>
           </a:p>
         </p:txBody>
       </p:sp>
@@ -3923,7 +4014,7 @@
         </p:nvGrpSpPr>
         <p:grpSpPr>
           <a:xfrm>
-            <a:off x="3368718" y="1267753"/>
+            <a:off x="4169453" y="1563663"/>
             <a:ext cx="3442699" cy="837184"/>
             <a:chOff x="5538844" y="1151657"/>
             <a:chExt cx="3442699" cy="837184"/>
@@ -4056,6 +4147,13 @@
                 </a:rPr>
                 <a:t>储存模块</a:t>
               </a:r>
+              <a:endParaRPr lang="zh-CN" altLang="en-US" sz="2000" b="1" dirty="0">
+                <a:solidFill>
+                  <a:srgbClr val="3F3D56"/>
+                </a:solidFill>
+                <a:latin typeface="思源宋体 Heavy" panose="02020900000000000000" pitchFamily="18" charset="-122"/>
+                <a:ea typeface="思源宋体 Heavy" panose="02020900000000000000" pitchFamily="18" charset="-122"/>
+              </a:endParaRPr>
             </a:p>
           </p:txBody>
         </p:sp>
@@ -4068,7 +4166,7 @@
         </p:nvGrpSpPr>
         <p:grpSpPr>
           <a:xfrm>
-            <a:off x="3368718" y="254941"/>
+            <a:off x="4164373" y="498781"/>
             <a:ext cx="4003040" cy="837184"/>
             <a:chOff x="5538844" y="1151657"/>
             <a:chExt cx="4003040" cy="837184"/>
@@ -4201,6 +4299,13 @@
                 </a:rPr>
                 <a:t>通信及异常处理模块</a:t>
               </a:r>
+              <a:endParaRPr lang="zh-CN" altLang="en-US" sz="2000" b="1" dirty="0">
+                <a:solidFill>
+                  <a:srgbClr val="3F3D56"/>
+                </a:solidFill>
+                <a:latin typeface="思源宋体 Heavy" panose="02020900000000000000" pitchFamily="18" charset="-122"/>
+                <a:ea typeface="思源宋体 Heavy" panose="02020900000000000000" pitchFamily="18" charset="-122"/>
+              </a:endParaRPr>
             </a:p>
           </p:txBody>
         </p:sp>
@@ -4213,7 +4318,7 @@
         </p:nvGrpSpPr>
         <p:grpSpPr>
           <a:xfrm>
-            <a:off x="3372528" y="4032569"/>
+            <a:off x="4170723" y="3648394"/>
             <a:ext cx="3442699" cy="837184"/>
             <a:chOff x="5538844" y="1151657"/>
             <a:chExt cx="3442699" cy="837184"/>
@@ -4346,6 +4451,13 @@
                 </a:rPr>
                 <a:t>查询模块</a:t>
               </a:r>
+              <a:endParaRPr lang="zh-CN" altLang="en-US" sz="2000" b="1" dirty="0">
+                <a:solidFill>
+                  <a:srgbClr val="3F3D56"/>
+                </a:solidFill>
+                <a:latin typeface="思源宋体 Heavy" panose="02020900000000000000" pitchFamily="18" charset="-122"/>
+                <a:ea typeface="思源宋体 Heavy" panose="02020900000000000000" pitchFamily="18" charset="-122"/>
+              </a:endParaRPr>
             </a:p>
           </p:txBody>
         </p:sp>
@@ -4358,7 +4470,7 @@
         </p:nvGrpSpPr>
         <p:grpSpPr>
           <a:xfrm>
-            <a:off x="3373798" y="5230827"/>
+            <a:off x="4147863" y="4616147"/>
             <a:ext cx="3442699" cy="837184"/>
             <a:chOff x="5538844" y="1151657"/>
             <a:chExt cx="3442699" cy="837184"/>
@@ -4491,6 +4603,13 @@
                 </a:rPr>
                 <a:t>事务与恢复模块</a:t>
               </a:r>
+              <a:endParaRPr lang="zh-CN" altLang="en-US" sz="2000" b="1" dirty="0">
+                <a:solidFill>
+                  <a:srgbClr val="3F3D56"/>
+                </a:solidFill>
+                <a:latin typeface="思源宋体 Heavy" panose="02020900000000000000" pitchFamily="18" charset="-122"/>
+                <a:ea typeface="思源宋体 Heavy" panose="02020900000000000000" pitchFamily="18" charset="-122"/>
+              </a:endParaRPr>
             </a:p>
           </p:txBody>
         </p:sp>
@@ -4503,7 +4622,7 @@
         </p:nvGrpSpPr>
         <p:grpSpPr>
           <a:xfrm>
-            <a:off x="3368718" y="2650148"/>
+            <a:off x="4169453" y="2613318"/>
             <a:ext cx="3442699" cy="837184"/>
             <a:chOff x="5538844" y="1151657"/>
             <a:chExt cx="3442699" cy="837184"/>
@@ -4636,6 +4755,165 @@
                 </a:rPr>
                 <a:t>元数据管理模块</a:t>
               </a:r>
+              <a:endParaRPr lang="zh-CN" altLang="en-US" sz="2000" b="1" dirty="0">
+                <a:solidFill>
+                  <a:srgbClr val="3F3D56"/>
+                </a:solidFill>
+                <a:latin typeface="思源宋体 Heavy" panose="02020900000000000000" pitchFamily="18" charset="-122"/>
+                <a:ea typeface="思源宋体 Heavy" panose="02020900000000000000" pitchFamily="18" charset="-122"/>
+              </a:endParaRPr>
+            </a:p>
+          </p:txBody>
+        </p:sp>
+      </p:grpSp>
+      <p:grpSp>
+        <p:nvGrpSpPr>
+          <p:cNvPr id="13" name="组合 12"/>
+          <p:cNvGrpSpPr/>
+          <p:nvPr/>
+        </p:nvGrpSpPr>
+        <p:grpSpPr>
+          <a:xfrm>
+            <a:off x="4170723" y="5606747"/>
+            <a:ext cx="3442699" cy="837184"/>
+            <a:chOff x="5538844" y="1151657"/>
+            <a:chExt cx="3442699" cy="837184"/>
+          </a:xfrm>
+        </p:grpSpPr>
+        <p:sp>
+          <p:nvSpPr>
+            <p:cNvPr id="17" name="椭圆 16"/>
+            <p:cNvSpPr/>
+            <p:nvPr/>
+          </p:nvSpPr>
+          <p:spPr>
+            <a:xfrm>
+              <a:off x="5538844" y="1772309"/>
+              <a:ext cx="1086349" cy="216532"/>
+            </a:xfrm>
+            <a:prstGeom prst="ellipse">
+              <a:avLst/>
+            </a:prstGeom>
+            <a:solidFill>
+              <a:schemeClr val="bg1">
+                <a:lumMod val="85000"/>
+                <a:alpha val="50000"/>
+              </a:schemeClr>
+            </a:solidFill>
+            <a:ln>
+              <a:noFill/>
+            </a:ln>
+          </p:spPr>
+          <p:style>
+            <a:lnRef idx="2">
+              <a:schemeClr val="accent1">
+                <a:shade val="50000"/>
+              </a:schemeClr>
+            </a:lnRef>
+            <a:fillRef idx="1">
+              <a:schemeClr val="accent1"/>
+            </a:fillRef>
+            <a:effectRef idx="0">
+              <a:schemeClr val="accent1"/>
+            </a:effectRef>
+            <a:fontRef idx="minor">
+              <a:schemeClr val="lt1"/>
+            </a:fontRef>
+          </p:style>
+          <p:txBody>
+            <a:bodyPr rtlCol="0" anchor="ctr"/>
+            <a:lstStyle/>
+            <a:p>
+              <a:pPr algn="ctr"/>
+              <a:endParaRPr lang="zh-CN" altLang="en-US"/>
+            </a:p>
+          </p:txBody>
+        </p:sp>
+        <p:sp>
+          <p:nvSpPr>
+            <p:cNvPr id="23" name="泪滴形 22"/>
+            <p:cNvSpPr/>
+            <p:nvPr/>
+          </p:nvSpPr>
+          <p:spPr>
+            <a:xfrm rot="8074129">
+              <a:off x="5800161" y="1151657"/>
+              <a:ext cx="562146" cy="562146"/>
+            </a:xfrm>
+            <a:prstGeom prst="teardrop">
+              <a:avLst/>
+            </a:prstGeom>
+            <a:solidFill>
+              <a:srgbClr val="6C63FF"/>
+            </a:solidFill>
+            <a:ln>
+              <a:noFill/>
+            </a:ln>
+          </p:spPr>
+          <p:style>
+            <a:lnRef idx="2">
+              <a:schemeClr val="accent1">
+                <a:shade val="50000"/>
+              </a:schemeClr>
+            </a:lnRef>
+            <a:fillRef idx="1">
+              <a:schemeClr val="accent1"/>
+            </a:fillRef>
+            <a:effectRef idx="0">
+              <a:schemeClr val="accent1"/>
+            </a:effectRef>
+            <a:fontRef idx="minor">
+              <a:schemeClr val="lt1"/>
+            </a:fontRef>
+          </p:style>
+          <p:txBody>
+            <a:bodyPr rtlCol="0" anchor="ctr"/>
+            <a:lstStyle/>
+            <a:p>
+              <a:pPr algn="ctr"/>
+              <a:endParaRPr lang="zh-CN" altLang="en-US"/>
+            </a:p>
+          </p:txBody>
+        </p:sp>
+        <p:sp>
+          <p:nvSpPr>
+            <p:cNvPr id="28" name="文本框 27"/>
+            <p:cNvSpPr txBox="1"/>
+            <p:nvPr/>
+          </p:nvSpPr>
+          <p:spPr>
+            <a:xfrm>
+              <a:off x="6646968" y="1173606"/>
+              <a:ext cx="2334575" cy="398780"/>
+            </a:xfrm>
+            <a:prstGeom prst="rect">
+              <a:avLst/>
+            </a:prstGeom>
+            <a:noFill/>
+          </p:spPr>
+          <p:txBody>
+            <a:bodyPr wrap="square" rtlCol="0">
+              <a:spAutoFit/>
+            </a:bodyPr>
+            <a:lstStyle/>
+            <a:p>
+              <a:r>
+                <a:rPr lang="zh-CN" altLang="en-US" sz="2000" b="1" dirty="0">
+                  <a:solidFill>
+                    <a:srgbClr val="3F3D56"/>
+                  </a:solidFill>
+                  <a:latin typeface="思源宋体 Heavy" panose="02020900000000000000" pitchFamily="18" charset="-122"/>
+                  <a:ea typeface="思源宋体 Heavy" panose="02020900000000000000" pitchFamily="18" charset="-122"/>
+                </a:rPr>
+                <a:t>用户模块</a:t>
+              </a:r>
+              <a:endParaRPr lang="zh-CN" altLang="en-US" sz="2000" b="1" dirty="0">
+                <a:solidFill>
+                  <a:srgbClr val="3F3D56"/>
+                </a:solidFill>
+                <a:latin typeface="思源宋体 Heavy" panose="02020900000000000000" pitchFamily="18" charset="-122"/>
+                <a:ea typeface="思源宋体 Heavy" panose="02020900000000000000" pitchFamily="18" charset="-122"/>
+              </a:endParaRPr>
             </a:p>
           </p:txBody>
         </p:sp>
@@ -5312,19 +5590,17 @@
                 </a:rPr>
                 <a:t>功能</a:t>
               </a:r>
+              <a:endParaRPr lang="zh-CN" altLang="en-US" dirty="0">
+                <a:latin typeface="思源宋体 Heavy" panose="02020900000000000000" pitchFamily="18" charset="-122"/>
+                <a:ea typeface="思源宋体 Heavy" panose="02020900000000000000" pitchFamily="18" charset="-122"/>
+              </a:endParaRPr>
             </a:p>
           </p:txBody>
         </p:sp>
       </p:grpSp>
       <p:sp>
         <p:nvSpPr>
-          <p:cNvPr id="49" name="文本框 48">
-            <a:extLst>
-              <a:ext uri="{FF2B5EF4-FFF2-40B4-BE49-F238E27FC236}">
-                <a16:creationId xmlns:a16="http://schemas.microsoft.com/office/drawing/2014/main" id="{1172D3F9-D2E7-441E-A9F8-0A34FB2D195A}"/>
-              </a:ext>
-            </a:extLst>
-          </p:cNvPr>
+          <p:cNvPr id="49" name="文本框 48"/>
           <p:cNvSpPr txBox="1"/>
           <p:nvPr/>
         </p:nvSpPr>
@@ -5400,6 +5676,10 @@
               </a:rPr>
               <a:t>接口</a:t>
             </a:r>
+            <a:endParaRPr lang="zh-CN" altLang="en-US" sz="1600" dirty="0">
+              <a:latin typeface="思源宋体 Light" panose="02020300000000000000" pitchFamily="18" charset="-122"/>
+              <a:ea typeface="思源宋体 Light" panose="02020300000000000000" pitchFamily="18" charset="-122"/>
+            </a:endParaRPr>
           </a:p>
           <a:p>
             <a:r>
@@ -5423,25 +5703,23 @@
               </a:rPr>
               <a:t>将异常处理信息返回客户端进行展示</a:t>
             </a:r>
+            <a:endParaRPr lang="en-US" altLang="zh-CN" sz="1600" dirty="0">
+              <a:latin typeface="思源宋体 Light" panose="02020300000000000000" pitchFamily="18" charset="-122"/>
+              <a:ea typeface="思源宋体 Light" panose="02020300000000000000" pitchFamily="18" charset="-122"/>
+            </a:endParaRPr>
           </a:p>
         </p:txBody>
       </p:sp>
       <p:pic>
         <p:nvPicPr>
-          <p:cNvPr id="5" name="图片 4">
-            <a:extLst>
-              <a:ext uri="{FF2B5EF4-FFF2-40B4-BE49-F238E27FC236}">
-                <a16:creationId xmlns:a16="http://schemas.microsoft.com/office/drawing/2014/main" id="{D459C77E-6E49-46EC-8DB7-F34133D0D976}"/>
-              </a:ext>
-            </a:extLst>
-          </p:cNvPr>
+          <p:cNvPr id="5" name="图片 4"/>
           <p:cNvPicPr>
             <a:picLocks noChangeAspect="1"/>
           </p:cNvPicPr>
           <p:nvPr/>
         </p:nvPicPr>
         <p:blipFill>
-          <a:blip r:embed="rId2">
+          <a:blip r:embed="rId1">
             <a:extLst>
               <a:ext uri="{28A0092B-C50C-407E-A947-70E740481C1C}">
                 <a14:useLocalDpi xmlns:a14="http://schemas.microsoft.com/office/drawing/2010/main" val="0"/>
@@ -5464,20 +5742,14 @@
       </p:pic>
       <p:pic>
         <p:nvPicPr>
-          <p:cNvPr id="6" name="图片 5">
-            <a:extLst>
-              <a:ext uri="{FF2B5EF4-FFF2-40B4-BE49-F238E27FC236}">
-                <a16:creationId xmlns:a16="http://schemas.microsoft.com/office/drawing/2014/main" id="{887920BA-3964-4B23-ACAB-99818B7FF651}"/>
-              </a:ext>
-            </a:extLst>
-          </p:cNvPr>
+          <p:cNvPr id="6" name="图片 5"/>
           <p:cNvPicPr>
             <a:picLocks noChangeAspect="1"/>
           </p:cNvPicPr>
           <p:nvPr/>
         </p:nvPicPr>
         <p:blipFill>
-          <a:blip r:embed="rId3"/>
+          <a:blip r:embed="rId2"/>
           <a:stretch>
             <a:fillRect/>
           </a:stretch>
@@ -5494,13 +5766,7 @@
       </p:pic>
       <p:sp>
         <p:nvSpPr>
-          <p:cNvPr id="55" name="文本框 54">
-            <a:extLst>
-              <a:ext uri="{FF2B5EF4-FFF2-40B4-BE49-F238E27FC236}">
-                <a16:creationId xmlns:a16="http://schemas.microsoft.com/office/drawing/2014/main" id="{5624FAB5-72E6-4A27-9888-AED5538FFC38}"/>
-              </a:ext>
-            </a:extLst>
-          </p:cNvPr>
+          <p:cNvPr id="55" name="文本框 54"/>
           <p:cNvSpPr txBox="1"/>
           <p:nvPr/>
         </p:nvSpPr>
@@ -5530,6 +5796,13 @@
               </a:rPr>
               <a:t>通讯与异常模块</a:t>
             </a:r>
+            <a:endParaRPr lang="zh-CN" altLang="en-US" sz="2400" b="1" dirty="0">
+              <a:solidFill>
+                <a:srgbClr val="3F3D56"/>
+              </a:solidFill>
+              <a:latin typeface="思源宋体 Heavy" panose="02020900000000000000" pitchFamily="18" charset="-122"/>
+              <a:ea typeface="思源宋体 Heavy" panose="02020900000000000000" pitchFamily="18" charset="-122"/>
+            </a:endParaRPr>
           </a:p>
         </p:txBody>
       </p:sp>
@@ -5541,141 +5814,9 @@
   <p:timing>
     <p:tnLst>
       <p:par>
-        <p:cTn id="1" dur="indefinite" restart="never" nodeType="tmRoot">
-          <p:childTnLst>
-            <p:seq concurrent="1" nextAc="seek">
-              <p:cTn id="2" dur="indefinite" nodeType="mainSeq">
-                <p:childTnLst>
-                  <p:par>
-                    <p:cTn id="3" fill="hold">
-                      <p:stCondLst>
-                        <p:cond delay="indefinite"/>
-                      </p:stCondLst>
-                      <p:childTnLst>
-                        <p:par>
-                          <p:cTn id="4" fill="hold">
-                            <p:stCondLst>
-                              <p:cond delay="0"/>
-                            </p:stCondLst>
-                            <p:childTnLst>
-                              <p:par>
-                                <p:cTn id="5" presetID="10" presetClass="entr" presetSubtype="0" fill="hold" nodeType="clickEffect">
-                                  <p:stCondLst>
-                                    <p:cond delay="0"/>
-                                  </p:stCondLst>
-                                  <p:childTnLst>
-                                    <p:set>
-                                      <p:cBhvr>
-                                        <p:cTn id="6" dur="1" fill="hold">
-                                          <p:stCondLst>
-                                            <p:cond delay="0"/>
-                                          </p:stCondLst>
-                                        </p:cTn>
-                                        <p:tgtEl>
-                                          <p:spTgt spid="24"/>
-                                        </p:tgtEl>
-                                        <p:attrNameLst>
-                                          <p:attrName>style.visibility</p:attrName>
-                                        </p:attrNameLst>
-                                      </p:cBhvr>
-                                      <p:to>
-                                        <p:strVal val="visible"/>
-                                      </p:to>
-                                    </p:set>
-                                    <p:animEffect transition="in" filter="fade">
-                                      <p:cBhvr>
-                                        <p:cTn id="7" dur="500"/>
-                                        <p:tgtEl>
-                                          <p:spTgt spid="24"/>
-                                        </p:tgtEl>
-                                      </p:cBhvr>
-                                    </p:animEffect>
-                                  </p:childTnLst>
-                                </p:cTn>
-                              </p:par>
-                            </p:childTnLst>
-                          </p:cTn>
-                        </p:par>
-                      </p:childTnLst>
-                    </p:cTn>
-                  </p:par>
-                  <p:par>
-                    <p:cTn id="8" fill="hold">
-                      <p:stCondLst>
-                        <p:cond delay="indefinite"/>
-                      </p:stCondLst>
-                      <p:childTnLst>
-                        <p:par>
-                          <p:cTn id="9" fill="hold">
-                            <p:stCondLst>
-                              <p:cond delay="0"/>
-                            </p:stCondLst>
-                            <p:childTnLst>
-                              <p:par>
-                                <p:cTn id="10" presetID="14" presetClass="entr" presetSubtype="10" fill="hold" grpId="0" nodeType="clickEffect">
-                                  <p:stCondLst>
-                                    <p:cond delay="0"/>
-                                  </p:stCondLst>
-                                  <p:childTnLst>
-                                    <p:set>
-                                      <p:cBhvr>
-                                        <p:cTn id="11" dur="1" fill="hold">
-                                          <p:stCondLst>
-                                            <p:cond delay="0"/>
-                                          </p:stCondLst>
-                                        </p:cTn>
-                                        <p:tgtEl>
-                                          <p:spTgt spid="15"/>
-                                        </p:tgtEl>
-                                        <p:attrNameLst>
-                                          <p:attrName>style.visibility</p:attrName>
-                                        </p:attrNameLst>
-                                      </p:cBhvr>
-                                      <p:to>
-                                        <p:strVal val="visible"/>
-                                      </p:to>
-                                    </p:set>
-                                    <p:animEffect transition="in" filter="randombar(horizontal)">
-                                      <p:cBhvr>
-                                        <p:cTn id="12" dur="500"/>
-                                        <p:tgtEl>
-                                          <p:spTgt spid="15"/>
-                                        </p:tgtEl>
-                                      </p:cBhvr>
-                                    </p:animEffect>
-                                  </p:childTnLst>
-                                </p:cTn>
-                              </p:par>
-                            </p:childTnLst>
-                          </p:cTn>
-                        </p:par>
-                      </p:childTnLst>
-                    </p:cTn>
-                  </p:par>
-                </p:childTnLst>
-              </p:cTn>
-              <p:prevCondLst>
-                <p:cond evt="onPrev" delay="0">
-                  <p:tgtEl>
-                    <p:sldTgt/>
-                  </p:tgtEl>
-                </p:cond>
-              </p:prevCondLst>
-              <p:nextCondLst>
-                <p:cond evt="onNext" delay="0">
-                  <p:tgtEl>
-                    <p:sldTgt/>
-                  </p:tgtEl>
-                </p:cond>
-              </p:nextCondLst>
-            </p:seq>
-          </p:childTnLst>
-        </p:cTn>
+        <p:cTn id="1" dur="indefinite" restart="never" nodeType="tmRoot"/>
       </p:par>
     </p:tnLst>
-    <p:bldLst>
-      <p:bldP spid="15" grpId="0" animBg="1"/>
-    </p:bldLst>
   </p:timing>
 </p:sld>
 </file>
@@ -6031,6 +6172,13 @@
                 </a:rPr>
                 <a:t>存储模块</a:t>
               </a:r>
+              <a:endParaRPr lang="zh-CN" altLang="en-US" sz="2400" b="1" dirty="0">
+                <a:solidFill>
+                  <a:srgbClr val="3F3D56"/>
+                </a:solidFill>
+                <a:latin typeface="思源宋体 Heavy" panose="02020900000000000000" pitchFamily="18" charset="-122"/>
+                <a:ea typeface="思源宋体 Heavy" panose="02020900000000000000" pitchFamily="18" charset="-122"/>
+              </a:endParaRPr>
             </a:p>
           </p:txBody>
         </p:sp>
@@ -6347,19 +6495,17 @@
                 </a:rPr>
                 <a:t>功能</a:t>
               </a:r>
+              <a:endParaRPr lang="zh-CN" altLang="en-US" dirty="0">
+                <a:latin typeface="思源宋体 Heavy" panose="02020900000000000000" pitchFamily="18" charset="-122"/>
+                <a:ea typeface="思源宋体 Heavy" panose="02020900000000000000" pitchFamily="18" charset="-122"/>
+              </a:endParaRPr>
             </a:p>
           </p:txBody>
         </p:sp>
       </p:grpSp>
       <p:sp>
         <p:nvSpPr>
-          <p:cNvPr id="23" name="文本框 22">
-            <a:extLst>
-              <a:ext uri="{FF2B5EF4-FFF2-40B4-BE49-F238E27FC236}">
-                <a16:creationId xmlns:a16="http://schemas.microsoft.com/office/drawing/2014/main" id="{DA7DFA77-11F3-4659-A6FC-0DFB05906611}"/>
-              </a:ext>
-            </a:extLst>
-          </p:cNvPr>
+          <p:cNvPr id="23" name="文本框 22"/>
           <p:cNvSpPr txBox="1"/>
           <p:nvPr/>
         </p:nvSpPr>
@@ -6386,6 +6532,10 @@
               </a:rPr>
               <a:t>- java的序列化和反序列化实现记录的持久化</a:t>
             </a:r>
+            <a:endParaRPr lang="en-US" altLang="zh-CN" sz="1600" dirty="0">
+              <a:latin typeface="思源宋体 Light" panose="02020300000000000000" pitchFamily="18" charset="-122"/>
+              <a:ea typeface="思源宋体 Light" panose="02020300000000000000" pitchFamily="18" charset="-122"/>
+            </a:endParaRPr>
           </a:p>
           <a:p>
             <a:r>
@@ -6436,6 +6586,10 @@
               </a:rPr>
               <a:t>- 支持五种数据类型：Int，Long，Float，Double，String</a:t>
             </a:r>
+            <a:endParaRPr lang="en-US" altLang="zh-CN" sz="1600" dirty="0">
+              <a:latin typeface="思源宋体 Light" panose="02020300000000000000" pitchFamily="18" charset="-122"/>
+              <a:ea typeface="思源宋体 Light" panose="02020300000000000000" pitchFamily="18" charset="-122"/>
+            </a:endParaRPr>
           </a:p>
           <a:p>
             <a:r>
@@ -6468,20 +6622,14 @@
       </p:sp>
       <p:pic>
         <p:nvPicPr>
-          <p:cNvPr id="2" name="图片 1">
-            <a:extLst>
-              <a:ext uri="{FF2B5EF4-FFF2-40B4-BE49-F238E27FC236}">
-                <a16:creationId xmlns:a16="http://schemas.microsoft.com/office/drawing/2014/main" id="{25C3E5ED-BB3D-4B92-94F4-3D6AA28807FB}"/>
-              </a:ext>
-            </a:extLst>
-          </p:cNvPr>
+          <p:cNvPr id="2" name="图片 1"/>
           <p:cNvPicPr>
             <a:picLocks noChangeAspect="1"/>
           </p:cNvPicPr>
           <p:nvPr/>
         </p:nvPicPr>
         <p:blipFill>
-          <a:blip r:embed="rId2"/>
+          <a:blip r:embed="rId1"/>
           <a:stretch>
             <a:fillRect/>
           </a:stretch>
@@ -6498,20 +6646,14 @@
       </p:pic>
       <p:pic>
         <p:nvPicPr>
-          <p:cNvPr id="3" name="图片 2">
-            <a:extLst>
-              <a:ext uri="{FF2B5EF4-FFF2-40B4-BE49-F238E27FC236}">
-                <a16:creationId xmlns:a16="http://schemas.microsoft.com/office/drawing/2014/main" id="{BB38704D-25A8-43E9-A0C9-37E3703AE42A}"/>
-              </a:ext>
-            </a:extLst>
-          </p:cNvPr>
+          <p:cNvPr id="3" name="图片 2"/>
           <p:cNvPicPr>
             <a:picLocks noChangeAspect="1"/>
           </p:cNvPicPr>
           <p:nvPr/>
         </p:nvPicPr>
         <p:blipFill>
-          <a:blip r:embed="rId3"/>
+          <a:blip r:embed="rId2"/>
           <a:stretch>
             <a:fillRect/>
           </a:stretch>
@@ -6528,20 +6670,14 @@
       </p:pic>
       <p:pic>
         <p:nvPicPr>
-          <p:cNvPr id="4" name="图片 3">
-            <a:extLst>
-              <a:ext uri="{FF2B5EF4-FFF2-40B4-BE49-F238E27FC236}">
-                <a16:creationId xmlns:a16="http://schemas.microsoft.com/office/drawing/2014/main" id="{383D4704-5630-4532-B4AC-C8553DB4D8E8}"/>
-              </a:ext>
-            </a:extLst>
-          </p:cNvPr>
+          <p:cNvPr id="4" name="图片 3"/>
           <p:cNvPicPr>
             <a:picLocks noChangeAspect="1"/>
           </p:cNvPicPr>
           <p:nvPr/>
         </p:nvPicPr>
         <p:blipFill>
-          <a:blip r:embed="rId4"/>
+          <a:blip r:embed="rId3"/>
           <a:stretch>
             <a:fillRect/>
           </a:stretch>
@@ -6558,20 +6694,14 @@
       </p:pic>
       <p:pic>
         <p:nvPicPr>
-          <p:cNvPr id="7" name="图片 6">
-            <a:extLst>
-              <a:ext uri="{FF2B5EF4-FFF2-40B4-BE49-F238E27FC236}">
-                <a16:creationId xmlns:a16="http://schemas.microsoft.com/office/drawing/2014/main" id="{6CB510A3-C8AA-4643-871D-5C13DAE8D7C3}"/>
-              </a:ext>
-            </a:extLst>
-          </p:cNvPr>
+          <p:cNvPr id="7" name="图片 6"/>
           <p:cNvPicPr>
             <a:picLocks noChangeAspect="1"/>
           </p:cNvPicPr>
           <p:nvPr/>
         </p:nvPicPr>
         <p:blipFill>
-          <a:blip r:embed="rId5"/>
+          <a:blip r:embed="rId4"/>
           <a:stretch>
             <a:fillRect/>
           </a:stretch>
@@ -6588,20 +6718,14 @@
       </p:pic>
       <p:pic>
         <p:nvPicPr>
-          <p:cNvPr id="8" name="图片 7">
-            <a:extLst>
-              <a:ext uri="{FF2B5EF4-FFF2-40B4-BE49-F238E27FC236}">
-                <a16:creationId xmlns:a16="http://schemas.microsoft.com/office/drawing/2014/main" id="{0B3FC3B6-D199-44E2-A658-96ACF0482F39}"/>
-              </a:ext>
-            </a:extLst>
-          </p:cNvPr>
+          <p:cNvPr id="8" name="图片 7"/>
           <p:cNvPicPr>
             <a:picLocks noChangeAspect="1"/>
           </p:cNvPicPr>
           <p:nvPr/>
         </p:nvPicPr>
         <p:blipFill>
-          <a:blip r:embed="rId6"/>
+          <a:blip r:embed="rId5"/>
           <a:stretch>
             <a:fillRect/>
           </a:stretch>
@@ -6617,11 +6741,6 @@
         </p:spPr>
       </p:pic>
     </p:spTree>
-    <p:extLst>
-      <p:ext uri="{BB962C8B-B14F-4D97-AF65-F5344CB8AC3E}">
-        <p14:creationId xmlns:p14="http://schemas.microsoft.com/office/powerpoint/2010/main" val="4234611701"/>
-      </p:ext>
-    </p:extLst>
   </p:cSld>
   <p:clrMapOvr>
     <a:masterClrMapping/>
@@ -6629,141 +6748,9 @@
   <p:timing>
     <p:tnLst>
       <p:par>
-        <p:cTn id="1" dur="indefinite" restart="never" nodeType="tmRoot">
-          <p:childTnLst>
-            <p:seq concurrent="1" nextAc="seek">
-              <p:cTn id="2" dur="indefinite" nodeType="mainSeq">
-                <p:childTnLst>
-                  <p:par>
-                    <p:cTn id="3" fill="hold">
-                      <p:stCondLst>
-                        <p:cond delay="indefinite"/>
-                      </p:stCondLst>
-                      <p:childTnLst>
-                        <p:par>
-                          <p:cTn id="4" fill="hold">
-                            <p:stCondLst>
-                              <p:cond delay="0"/>
-                            </p:stCondLst>
-                            <p:childTnLst>
-                              <p:par>
-                                <p:cTn id="5" presetID="10" presetClass="entr" presetSubtype="0" fill="hold" nodeType="clickEffect">
-                                  <p:stCondLst>
-                                    <p:cond delay="0"/>
-                                  </p:stCondLst>
-                                  <p:childTnLst>
-                                    <p:set>
-                                      <p:cBhvr>
-                                        <p:cTn id="6" dur="1" fill="hold">
-                                          <p:stCondLst>
-                                            <p:cond delay="0"/>
-                                          </p:stCondLst>
-                                        </p:cTn>
-                                        <p:tgtEl>
-                                          <p:spTgt spid="24"/>
-                                        </p:tgtEl>
-                                        <p:attrNameLst>
-                                          <p:attrName>style.visibility</p:attrName>
-                                        </p:attrNameLst>
-                                      </p:cBhvr>
-                                      <p:to>
-                                        <p:strVal val="visible"/>
-                                      </p:to>
-                                    </p:set>
-                                    <p:animEffect transition="in" filter="fade">
-                                      <p:cBhvr>
-                                        <p:cTn id="7" dur="500"/>
-                                        <p:tgtEl>
-                                          <p:spTgt spid="24"/>
-                                        </p:tgtEl>
-                                      </p:cBhvr>
-                                    </p:animEffect>
-                                  </p:childTnLst>
-                                </p:cTn>
-                              </p:par>
-                            </p:childTnLst>
-                          </p:cTn>
-                        </p:par>
-                      </p:childTnLst>
-                    </p:cTn>
-                  </p:par>
-                  <p:par>
-                    <p:cTn id="8" fill="hold">
-                      <p:stCondLst>
-                        <p:cond delay="indefinite"/>
-                      </p:stCondLst>
-                      <p:childTnLst>
-                        <p:par>
-                          <p:cTn id="9" fill="hold">
-                            <p:stCondLst>
-                              <p:cond delay="0"/>
-                            </p:stCondLst>
-                            <p:childTnLst>
-                              <p:par>
-                                <p:cTn id="10" presetID="14" presetClass="entr" presetSubtype="10" fill="hold" grpId="0" nodeType="clickEffect">
-                                  <p:stCondLst>
-                                    <p:cond delay="0"/>
-                                  </p:stCondLst>
-                                  <p:childTnLst>
-                                    <p:set>
-                                      <p:cBhvr>
-                                        <p:cTn id="11" dur="1" fill="hold">
-                                          <p:stCondLst>
-                                            <p:cond delay="0"/>
-                                          </p:stCondLst>
-                                        </p:cTn>
-                                        <p:tgtEl>
-                                          <p:spTgt spid="15"/>
-                                        </p:tgtEl>
-                                        <p:attrNameLst>
-                                          <p:attrName>style.visibility</p:attrName>
-                                        </p:attrNameLst>
-                                      </p:cBhvr>
-                                      <p:to>
-                                        <p:strVal val="visible"/>
-                                      </p:to>
-                                    </p:set>
-                                    <p:animEffect transition="in" filter="randombar(horizontal)">
-                                      <p:cBhvr>
-                                        <p:cTn id="12" dur="500"/>
-                                        <p:tgtEl>
-                                          <p:spTgt spid="15"/>
-                                        </p:tgtEl>
-                                      </p:cBhvr>
-                                    </p:animEffect>
-                                  </p:childTnLst>
-                                </p:cTn>
-                              </p:par>
-                            </p:childTnLst>
-                          </p:cTn>
-                        </p:par>
-                      </p:childTnLst>
-                    </p:cTn>
-                  </p:par>
-                </p:childTnLst>
-              </p:cTn>
-              <p:prevCondLst>
-                <p:cond evt="onPrev" delay="0">
-                  <p:tgtEl>
-                    <p:sldTgt/>
-                  </p:tgtEl>
-                </p:cond>
-              </p:prevCondLst>
-              <p:nextCondLst>
-                <p:cond evt="onNext" delay="0">
-                  <p:tgtEl>
-                    <p:sldTgt/>
-                  </p:tgtEl>
-                </p:cond>
-              </p:nextCondLst>
-            </p:seq>
-          </p:childTnLst>
-        </p:cTn>
+        <p:cTn id="1" dur="indefinite" restart="never" nodeType="tmRoot"/>
       </p:par>
     </p:tnLst>
-    <p:bldLst>
-      <p:bldP spid="15" grpId="0" animBg="1"/>
-    </p:bldLst>
   </p:timing>
 </p:sld>
 </file>
@@ -7119,6 +7106,13 @@
                 </a:rPr>
                 <a:t>元数据管理模块</a:t>
               </a:r>
+              <a:endParaRPr lang="zh-CN" altLang="en-US" sz="2400" b="1" dirty="0">
+                <a:solidFill>
+                  <a:srgbClr val="3F3D56"/>
+                </a:solidFill>
+                <a:latin typeface="思源宋体 Heavy" panose="02020900000000000000" pitchFamily="18" charset="-122"/>
+                <a:ea typeface="思源宋体 Heavy" panose="02020900000000000000" pitchFamily="18" charset="-122"/>
+              </a:endParaRPr>
             </a:p>
           </p:txBody>
         </p:sp>
@@ -7435,19 +7429,17 @@
                 </a:rPr>
                 <a:t>功能</a:t>
               </a:r>
+              <a:endParaRPr lang="zh-CN" altLang="en-US" dirty="0">
+                <a:latin typeface="思源宋体 Heavy" panose="02020900000000000000" pitchFamily="18" charset="-122"/>
+                <a:ea typeface="思源宋体 Heavy" panose="02020900000000000000" pitchFamily="18" charset="-122"/>
+              </a:endParaRPr>
             </a:p>
           </p:txBody>
         </p:sp>
       </p:grpSp>
       <p:sp>
         <p:nvSpPr>
-          <p:cNvPr id="28" name="文本框 27">
-            <a:extLst>
-              <a:ext uri="{FF2B5EF4-FFF2-40B4-BE49-F238E27FC236}">
-                <a16:creationId xmlns:a16="http://schemas.microsoft.com/office/drawing/2014/main" id="{F89BD4EF-8456-46B0-8F44-2515A4082F82}"/>
-              </a:ext>
-            </a:extLst>
-          </p:cNvPr>
+          <p:cNvPr id="28" name="文本框 27"/>
           <p:cNvSpPr txBox="1"/>
           <p:nvPr/>
         </p:nvSpPr>
@@ -7474,6 +7466,10 @@
               </a:rPr>
               <a:t>- 支持表的删除、修改、创建</a:t>
             </a:r>
+            <a:endParaRPr lang="en-US" altLang="zh-CN" sz="1600" dirty="0">
+              <a:latin typeface="思源宋体 Light" panose="02020300000000000000" pitchFamily="18" charset="-122"/>
+              <a:ea typeface="思源宋体 Light" panose="02020300000000000000" pitchFamily="18" charset="-122"/>
+            </a:endParaRPr>
           </a:p>
           <a:p>
             <a:r>
@@ -7483,6 +7479,10 @@
               </a:rPr>
               <a:t>- 支持数据库的删除、创建、切换</a:t>
             </a:r>
+            <a:endParaRPr lang="en-US" altLang="zh-CN" sz="1600" dirty="0">
+              <a:latin typeface="思源宋体 Light" panose="02020300000000000000" pitchFamily="18" charset="-122"/>
+              <a:ea typeface="思源宋体 Light" panose="02020300000000000000" pitchFamily="18" charset="-122"/>
+            </a:endParaRPr>
           </a:p>
           <a:p>
             <a:r>
@@ -7520,6 +7520,10 @@
               </a:rPr>
               <a:t>）</a:t>
             </a:r>
+            <a:endParaRPr lang="en-US" altLang="zh-CN" sz="1600" dirty="0">
+              <a:latin typeface="思源宋体 Light" panose="02020300000000000000" pitchFamily="18" charset="-122"/>
+              <a:ea typeface="思源宋体 Light" panose="02020300000000000000" pitchFamily="18" charset="-122"/>
+            </a:endParaRPr>
           </a:p>
           <a:p>
             <a:r>
@@ -7529,15 +7533,14 @@
               </a:rPr>
               <a:t>- 重启数据库可以从存储的元数据中恢复数据</a:t>
             </a:r>
+            <a:endParaRPr lang="en-US" altLang="zh-CN" sz="1600" dirty="0">
+              <a:latin typeface="思源宋体 Light" panose="02020300000000000000" pitchFamily="18" charset="-122"/>
+              <a:ea typeface="思源宋体 Light" panose="02020300000000000000" pitchFamily="18" charset="-122"/>
+            </a:endParaRPr>
           </a:p>
         </p:txBody>
       </p:sp>
     </p:spTree>
-    <p:extLst>
-      <p:ext uri="{BB962C8B-B14F-4D97-AF65-F5344CB8AC3E}">
-        <p14:creationId xmlns:p14="http://schemas.microsoft.com/office/powerpoint/2010/main" val="29355574"/>
-      </p:ext>
-    </p:extLst>
   </p:cSld>
   <p:clrMapOvr>
     <a:masterClrMapping/>
@@ -7545,141 +7548,9 @@
   <p:timing>
     <p:tnLst>
       <p:par>
-        <p:cTn id="1" dur="indefinite" restart="never" nodeType="tmRoot">
-          <p:childTnLst>
-            <p:seq concurrent="1" nextAc="seek">
-              <p:cTn id="2" dur="indefinite" nodeType="mainSeq">
-                <p:childTnLst>
-                  <p:par>
-                    <p:cTn id="3" fill="hold">
-                      <p:stCondLst>
-                        <p:cond delay="indefinite"/>
-                      </p:stCondLst>
-                      <p:childTnLst>
-                        <p:par>
-                          <p:cTn id="4" fill="hold">
-                            <p:stCondLst>
-                              <p:cond delay="0"/>
-                            </p:stCondLst>
-                            <p:childTnLst>
-                              <p:par>
-                                <p:cTn id="5" presetID="10" presetClass="entr" presetSubtype="0" fill="hold" nodeType="clickEffect">
-                                  <p:stCondLst>
-                                    <p:cond delay="0"/>
-                                  </p:stCondLst>
-                                  <p:childTnLst>
-                                    <p:set>
-                                      <p:cBhvr>
-                                        <p:cTn id="6" dur="1" fill="hold">
-                                          <p:stCondLst>
-                                            <p:cond delay="0"/>
-                                          </p:stCondLst>
-                                        </p:cTn>
-                                        <p:tgtEl>
-                                          <p:spTgt spid="24"/>
-                                        </p:tgtEl>
-                                        <p:attrNameLst>
-                                          <p:attrName>style.visibility</p:attrName>
-                                        </p:attrNameLst>
-                                      </p:cBhvr>
-                                      <p:to>
-                                        <p:strVal val="visible"/>
-                                      </p:to>
-                                    </p:set>
-                                    <p:animEffect transition="in" filter="fade">
-                                      <p:cBhvr>
-                                        <p:cTn id="7" dur="500"/>
-                                        <p:tgtEl>
-                                          <p:spTgt spid="24"/>
-                                        </p:tgtEl>
-                                      </p:cBhvr>
-                                    </p:animEffect>
-                                  </p:childTnLst>
-                                </p:cTn>
-                              </p:par>
-                            </p:childTnLst>
-                          </p:cTn>
-                        </p:par>
-                      </p:childTnLst>
-                    </p:cTn>
-                  </p:par>
-                  <p:par>
-                    <p:cTn id="8" fill="hold">
-                      <p:stCondLst>
-                        <p:cond delay="indefinite"/>
-                      </p:stCondLst>
-                      <p:childTnLst>
-                        <p:par>
-                          <p:cTn id="9" fill="hold">
-                            <p:stCondLst>
-                              <p:cond delay="0"/>
-                            </p:stCondLst>
-                            <p:childTnLst>
-                              <p:par>
-                                <p:cTn id="10" presetID="14" presetClass="entr" presetSubtype="10" fill="hold" grpId="0" nodeType="clickEffect">
-                                  <p:stCondLst>
-                                    <p:cond delay="0"/>
-                                  </p:stCondLst>
-                                  <p:childTnLst>
-                                    <p:set>
-                                      <p:cBhvr>
-                                        <p:cTn id="11" dur="1" fill="hold">
-                                          <p:stCondLst>
-                                            <p:cond delay="0"/>
-                                          </p:stCondLst>
-                                        </p:cTn>
-                                        <p:tgtEl>
-                                          <p:spTgt spid="15"/>
-                                        </p:tgtEl>
-                                        <p:attrNameLst>
-                                          <p:attrName>style.visibility</p:attrName>
-                                        </p:attrNameLst>
-                                      </p:cBhvr>
-                                      <p:to>
-                                        <p:strVal val="visible"/>
-                                      </p:to>
-                                    </p:set>
-                                    <p:animEffect transition="in" filter="randombar(horizontal)">
-                                      <p:cBhvr>
-                                        <p:cTn id="12" dur="500"/>
-                                        <p:tgtEl>
-                                          <p:spTgt spid="15"/>
-                                        </p:tgtEl>
-                                      </p:cBhvr>
-                                    </p:animEffect>
-                                  </p:childTnLst>
-                                </p:cTn>
-                              </p:par>
-                            </p:childTnLst>
-                          </p:cTn>
-                        </p:par>
-                      </p:childTnLst>
-                    </p:cTn>
-                  </p:par>
-                </p:childTnLst>
-              </p:cTn>
-              <p:prevCondLst>
-                <p:cond evt="onPrev" delay="0">
-                  <p:tgtEl>
-                    <p:sldTgt/>
-                  </p:tgtEl>
-                </p:cond>
-              </p:prevCondLst>
-              <p:nextCondLst>
-                <p:cond evt="onNext" delay="0">
-                  <p:tgtEl>
-                    <p:sldTgt/>
-                  </p:tgtEl>
-                </p:cond>
-              </p:nextCondLst>
-            </p:seq>
-          </p:childTnLst>
-        </p:cTn>
+        <p:cTn id="1" dur="indefinite" restart="never" nodeType="tmRoot"/>
       </p:par>
     </p:tnLst>
-    <p:bldLst>
-      <p:bldP spid="15" grpId="0" animBg="1"/>
-    </p:bldLst>
   </p:timing>
 </p:sld>
 </file>
@@ -8084,6 +7955,13 @@
                 </a:rPr>
                 <a:t>查询模块</a:t>
               </a:r>
+              <a:endParaRPr lang="zh-CN" altLang="en-US" sz="2400" b="1" dirty="0">
+                <a:solidFill>
+                  <a:srgbClr val="3F3D56"/>
+                </a:solidFill>
+                <a:latin typeface="思源宋体 Heavy" panose="02020900000000000000" pitchFamily="18" charset="-122"/>
+                <a:ea typeface="思源宋体 Heavy" panose="02020900000000000000" pitchFamily="18" charset="-122"/>
+              </a:endParaRPr>
             </a:p>
           </p:txBody>
         </p:sp>
@@ -8417,13 +8295,7 @@
       </p:grpSp>
       <p:sp>
         <p:nvSpPr>
-          <p:cNvPr id="28" name="文本框 27">
-            <a:extLst>
-              <a:ext uri="{FF2B5EF4-FFF2-40B4-BE49-F238E27FC236}">
-                <a16:creationId xmlns:a16="http://schemas.microsoft.com/office/drawing/2014/main" id="{82544100-C481-49C9-8CA0-00ABD7AB06F6}"/>
-              </a:ext>
-            </a:extLst>
-          </p:cNvPr>
+          <p:cNvPr id="28" name="文本框 27"/>
           <p:cNvSpPr txBox="1"/>
           <p:nvPr/>
         </p:nvSpPr>
@@ -8450,6 +8322,10 @@
               </a:rPr>
               <a:t>- 选择列时支持 AttrName, tableName.AttrName, *, tableName.*等指定方式</a:t>
             </a:r>
+            <a:endParaRPr lang="en-US" altLang="zh-CN" sz="1600" dirty="0">
+              <a:latin typeface="思源宋体 Light" panose="02020300000000000000" pitchFamily="18" charset="-122"/>
+              <a:ea typeface="思源宋体 Light" panose="02020300000000000000" pitchFamily="18" charset="-122"/>
+            </a:endParaRPr>
           </a:p>
           <a:p>
             <a:r>
@@ -8459,6 +8335,10 @@
               </a:rPr>
               <a:t>- from子句支持多个表的join以及笛卡尔积</a:t>
             </a:r>
+            <a:endParaRPr lang="en-US" altLang="zh-CN" sz="1600" dirty="0">
+              <a:latin typeface="思源宋体 Light" panose="02020300000000000000" pitchFamily="18" charset="-122"/>
+              <a:ea typeface="思源宋体 Light" panose="02020300000000000000" pitchFamily="18" charset="-122"/>
+            </a:endParaRPr>
           </a:p>
           <a:p>
             <a:r>
@@ -8482,6 +8362,10 @@
               </a:rPr>
               <a:t>.</a:t>
             </a:r>
+            <a:endParaRPr lang="en-US" altLang="zh-CN" sz="1600" dirty="0">
+              <a:latin typeface="思源宋体 Light" panose="02020300000000000000" pitchFamily="18" charset="-122"/>
+              <a:ea typeface="思源宋体 Light" panose="02020300000000000000" pitchFamily="18" charset="-122"/>
+            </a:endParaRPr>
           </a:p>
           <a:p>
             <a:r>
@@ -8507,20 +8391,14 @@
       </p:sp>
       <p:pic>
         <p:nvPicPr>
-          <p:cNvPr id="5" name="图片 4">
-            <a:extLst>
-              <a:ext uri="{FF2B5EF4-FFF2-40B4-BE49-F238E27FC236}">
-                <a16:creationId xmlns:a16="http://schemas.microsoft.com/office/drawing/2014/main" id="{84C5F25F-F803-4AAE-90DC-BFA8AD9818A5}"/>
-              </a:ext>
-            </a:extLst>
-          </p:cNvPr>
+          <p:cNvPr id="5" name="图片 4"/>
           <p:cNvPicPr>
             <a:picLocks noChangeAspect="1"/>
           </p:cNvPicPr>
           <p:nvPr/>
         </p:nvPicPr>
         <p:blipFill>
-          <a:blip r:embed="rId2"/>
+          <a:blip r:embed="rId1"/>
           <a:stretch>
             <a:fillRect/>
           </a:stretch>
@@ -8537,13 +8415,7 @@
       </p:pic>
       <p:grpSp>
         <p:nvGrpSpPr>
-          <p:cNvPr id="47" name="组合 46">
-            <a:extLst>
-              <a:ext uri="{FF2B5EF4-FFF2-40B4-BE49-F238E27FC236}">
-                <a16:creationId xmlns:a16="http://schemas.microsoft.com/office/drawing/2014/main" id="{534EF49D-FBF7-4C8A-845B-4422D76245C2}"/>
-              </a:ext>
-            </a:extLst>
-          </p:cNvPr>
+          <p:cNvPr id="47" name="组合 46"/>
           <p:cNvGrpSpPr/>
           <p:nvPr/>
         </p:nvGrpSpPr>
@@ -8557,13 +8429,7 @@
         </p:grpSpPr>
         <p:grpSp>
           <p:nvGrpSpPr>
-            <p:cNvPr id="48" name="组合 47">
-              <a:extLst>
-                <a:ext uri="{FF2B5EF4-FFF2-40B4-BE49-F238E27FC236}">
-                  <a16:creationId xmlns:a16="http://schemas.microsoft.com/office/drawing/2014/main" id="{23DBD19F-0EA0-4D9B-A41C-E3016942F7AE}"/>
-                </a:ext>
-              </a:extLst>
-            </p:cNvPr>
+            <p:cNvPr id="48" name="组合 47"/>
             <p:cNvGrpSpPr/>
             <p:nvPr/>
           </p:nvGrpSpPr>
@@ -8580,13 +8446,7 @@
           </p:grpSpPr>
           <p:sp>
             <p:nvSpPr>
-              <p:cNvPr id="57" name="矩形: 圆角 56">
-                <a:extLst>
-                  <a:ext uri="{FF2B5EF4-FFF2-40B4-BE49-F238E27FC236}">
-                    <a16:creationId xmlns:a16="http://schemas.microsoft.com/office/drawing/2014/main" id="{E1C49129-B93F-4FA5-BF91-F2C4109A7A55}"/>
-                  </a:ext>
-                </a:extLst>
-              </p:cNvPr>
+              <p:cNvPr id="57" name="矩形: 圆角 56"/>
               <p:cNvSpPr/>
               <p:nvPr/>
             </p:nvSpPr>
@@ -8632,13 +8492,7 @@
           </p:sp>
           <p:sp>
             <p:nvSpPr>
-              <p:cNvPr id="58" name="矩形: 圆角 57">
-                <a:extLst>
-                  <a:ext uri="{FF2B5EF4-FFF2-40B4-BE49-F238E27FC236}">
-                    <a16:creationId xmlns:a16="http://schemas.microsoft.com/office/drawing/2014/main" id="{4E110111-5F00-44EA-BFC6-2A0469F389DC}"/>
-                  </a:ext>
-                </a:extLst>
-              </p:cNvPr>
+              <p:cNvPr id="58" name="矩形: 圆角 57"/>
               <p:cNvSpPr/>
               <p:nvPr/>
             </p:nvSpPr>
@@ -8685,13 +8539,7 @@
         </p:grpSp>
         <p:grpSp>
           <p:nvGrpSpPr>
-            <p:cNvPr id="49" name="组合 48">
-              <a:extLst>
-                <a:ext uri="{FF2B5EF4-FFF2-40B4-BE49-F238E27FC236}">
-                  <a16:creationId xmlns:a16="http://schemas.microsoft.com/office/drawing/2014/main" id="{FA9FB830-2C24-4ADE-9FEB-567B7134E550}"/>
-                </a:ext>
-              </a:extLst>
-            </p:cNvPr>
+            <p:cNvPr id="49" name="组合 48"/>
             <p:cNvGrpSpPr/>
             <p:nvPr/>
           </p:nvGrpSpPr>
@@ -8705,13 +8553,7 @@
           </p:grpSpPr>
           <p:sp>
             <p:nvSpPr>
-              <p:cNvPr id="55" name="矩形: 圆角 54">
-                <a:extLst>
-                  <a:ext uri="{FF2B5EF4-FFF2-40B4-BE49-F238E27FC236}">
-                    <a16:creationId xmlns:a16="http://schemas.microsoft.com/office/drawing/2014/main" id="{0A5E5CB3-3C1E-46C1-80E3-16DABA04E687}"/>
-                  </a:ext>
-                </a:extLst>
-              </p:cNvPr>
+              <p:cNvPr id="55" name="矩形: 圆角 54"/>
               <p:cNvSpPr/>
               <p:nvPr/>
             </p:nvSpPr>
@@ -8759,13 +8601,7 @@
           </p:sp>
           <p:sp>
             <p:nvSpPr>
-              <p:cNvPr id="56" name="矩形: 圆角 55">
-                <a:extLst>
-                  <a:ext uri="{FF2B5EF4-FFF2-40B4-BE49-F238E27FC236}">
-                    <a16:creationId xmlns:a16="http://schemas.microsoft.com/office/drawing/2014/main" id="{D1E293E0-7485-4849-9826-E5245B63089C}"/>
-                  </a:ext>
-                </a:extLst>
-              </p:cNvPr>
+              <p:cNvPr id="56" name="矩形: 圆角 55"/>
               <p:cNvSpPr/>
               <p:nvPr/>
             </p:nvSpPr>
@@ -8814,13 +8650,7 @@
         </p:grpSp>
         <p:sp>
           <p:nvSpPr>
-            <p:cNvPr id="50" name="矩形: 圆角 49">
-              <a:extLst>
-                <a:ext uri="{FF2B5EF4-FFF2-40B4-BE49-F238E27FC236}">
-                  <a16:creationId xmlns:a16="http://schemas.microsoft.com/office/drawing/2014/main" id="{41FACCFD-829E-4ED7-9F87-CB58A3B41EA9}"/>
-                </a:ext>
-              </a:extLst>
-            </p:cNvPr>
+            <p:cNvPr id="50" name="矩形: 圆角 49"/>
             <p:cNvSpPr/>
             <p:nvPr/>
           </p:nvSpPr>
@@ -8868,13 +8698,7 @@
         </p:sp>
         <p:sp>
           <p:nvSpPr>
-            <p:cNvPr id="53" name="文本框 52">
-              <a:extLst>
-                <a:ext uri="{FF2B5EF4-FFF2-40B4-BE49-F238E27FC236}">
-                  <a16:creationId xmlns:a16="http://schemas.microsoft.com/office/drawing/2014/main" id="{602AD5BD-FEE5-448C-A0E4-F92CE31D480C}"/>
-                </a:ext>
-              </a:extLst>
-            </p:cNvPr>
+            <p:cNvPr id="53" name="文本框 52"/>
             <p:cNvSpPr txBox="1"/>
             <p:nvPr/>
           </p:nvSpPr>
@@ -8915,19 +8739,17 @@
                 </a:rPr>
                 <a:t>其余</a:t>
               </a:r>
+              <a:endParaRPr lang="zh-CN" altLang="en-US" dirty="0">
+                <a:latin typeface="思源宋体 Heavy" panose="02020900000000000000" pitchFamily="18" charset="-122"/>
+                <a:ea typeface="思源宋体 Heavy" panose="02020900000000000000" pitchFamily="18" charset="-122"/>
+              </a:endParaRPr>
             </a:p>
           </p:txBody>
         </p:sp>
       </p:grpSp>
       <p:sp>
         <p:nvSpPr>
-          <p:cNvPr id="59" name="文本框 58">
-            <a:extLst>
-              <a:ext uri="{FF2B5EF4-FFF2-40B4-BE49-F238E27FC236}">
-                <a16:creationId xmlns:a16="http://schemas.microsoft.com/office/drawing/2014/main" id="{1AA3C177-5C64-4FBF-B222-0B357F999AC0}"/>
-              </a:ext>
-            </a:extLst>
-          </p:cNvPr>
+          <p:cNvPr id="59" name="文本框 58"/>
           <p:cNvSpPr txBox="1"/>
           <p:nvPr/>
         </p:nvSpPr>
@@ -8989,20 +8811,14 @@
       </p:sp>
       <p:pic>
         <p:nvPicPr>
-          <p:cNvPr id="6" name="图片 5">
-            <a:extLst>
-              <a:ext uri="{FF2B5EF4-FFF2-40B4-BE49-F238E27FC236}">
-                <a16:creationId xmlns:a16="http://schemas.microsoft.com/office/drawing/2014/main" id="{1CB41627-3FE2-4A02-8940-F7B26EDCCD4C}"/>
-              </a:ext>
-            </a:extLst>
-          </p:cNvPr>
+          <p:cNvPr id="6" name="图片 5"/>
           <p:cNvPicPr>
             <a:picLocks noChangeAspect="1"/>
           </p:cNvPicPr>
           <p:nvPr/>
         </p:nvPicPr>
         <p:blipFill>
-          <a:blip r:embed="rId3"/>
+          <a:blip r:embed="rId2"/>
           <a:stretch>
             <a:fillRect/>
           </a:stretch>
@@ -9018,11 +8834,6 @@
         </p:spPr>
       </p:pic>
     </p:spTree>
-    <p:extLst>
-      <p:ext uri="{BB962C8B-B14F-4D97-AF65-F5344CB8AC3E}">
-        <p14:creationId xmlns:p14="http://schemas.microsoft.com/office/powerpoint/2010/main" val="2791132480"/>
-      </p:ext>
-    </p:extLst>
   </p:cSld>
   <p:clrMapOvr>
     <a:masterClrMapping/>
@@ -9030,141 +8841,9 @@
   <p:timing>
     <p:tnLst>
       <p:par>
-        <p:cTn id="1" dur="indefinite" restart="never" nodeType="tmRoot">
-          <p:childTnLst>
-            <p:seq concurrent="1" nextAc="seek">
-              <p:cTn id="2" dur="indefinite" nodeType="mainSeq">
-                <p:childTnLst>
-                  <p:par>
-                    <p:cTn id="3" fill="hold">
-                      <p:stCondLst>
-                        <p:cond delay="indefinite"/>
-                      </p:stCondLst>
-                      <p:childTnLst>
-                        <p:par>
-                          <p:cTn id="4" fill="hold">
-                            <p:stCondLst>
-                              <p:cond delay="0"/>
-                            </p:stCondLst>
-                            <p:childTnLst>
-                              <p:par>
-                                <p:cTn id="5" presetID="10" presetClass="entr" presetSubtype="0" fill="hold" nodeType="clickEffect">
-                                  <p:stCondLst>
-                                    <p:cond delay="0"/>
-                                  </p:stCondLst>
-                                  <p:childTnLst>
-                                    <p:set>
-                                      <p:cBhvr>
-                                        <p:cTn id="6" dur="1" fill="hold">
-                                          <p:stCondLst>
-                                            <p:cond delay="0"/>
-                                          </p:stCondLst>
-                                        </p:cTn>
-                                        <p:tgtEl>
-                                          <p:spTgt spid="24"/>
-                                        </p:tgtEl>
-                                        <p:attrNameLst>
-                                          <p:attrName>style.visibility</p:attrName>
-                                        </p:attrNameLst>
-                                      </p:cBhvr>
-                                      <p:to>
-                                        <p:strVal val="visible"/>
-                                      </p:to>
-                                    </p:set>
-                                    <p:animEffect transition="in" filter="fade">
-                                      <p:cBhvr>
-                                        <p:cTn id="7" dur="500"/>
-                                        <p:tgtEl>
-                                          <p:spTgt spid="24"/>
-                                        </p:tgtEl>
-                                      </p:cBhvr>
-                                    </p:animEffect>
-                                  </p:childTnLst>
-                                </p:cTn>
-                              </p:par>
-                            </p:childTnLst>
-                          </p:cTn>
-                        </p:par>
-                      </p:childTnLst>
-                    </p:cTn>
-                  </p:par>
-                  <p:par>
-                    <p:cTn id="8" fill="hold">
-                      <p:stCondLst>
-                        <p:cond delay="indefinite"/>
-                      </p:stCondLst>
-                      <p:childTnLst>
-                        <p:par>
-                          <p:cTn id="9" fill="hold">
-                            <p:stCondLst>
-                              <p:cond delay="0"/>
-                            </p:stCondLst>
-                            <p:childTnLst>
-                              <p:par>
-                                <p:cTn id="10" presetID="14" presetClass="entr" presetSubtype="10" fill="hold" grpId="0" nodeType="clickEffect">
-                                  <p:stCondLst>
-                                    <p:cond delay="0"/>
-                                  </p:stCondLst>
-                                  <p:childTnLst>
-                                    <p:set>
-                                      <p:cBhvr>
-                                        <p:cTn id="11" dur="1" fill="hold">
-                                          <p:stCondLst>
-                                            <p:cond delay="0"/>
-                                          </p:stCondLst>
-                                        </p:cTn>
-                                        <p:tgtEl>
-                                          <p:spTgt spid="15"/>
-                                        </p:tgtEl>
-                                        <p:attrNameLst>
-                                          <p:attrName>style.visibility</p:attrName>
-                                        </p:attrNameLst>
-                                      </p:cBhvr>
-                                      <p:to>
-                                        <p:strVal val="visible"/>
-                                      </p:to>
-                                    </p:set>
-                                    <p:animEffect transition="in" filter="randombar(horizontal)">
-                                      <p:cBhvr>
-                                        <p:cTn id="12" dur="500"/>
-                                        <p:tgtEl>
-                                          <p:spTgt spid="15"/>
-                                        </p:tgtEl>
-                                      </p:cBhvr>
-                                    </p:animEffect>
-                                  </p:childTnLst>
-                                </p:cTn>
-                              </p:par>
-                            </p:childTnLst>
-                          </p:cTn>
-                        </p:par>
-                      </p:childTnLst>
-                    </p:cTn>
-                  </p:par>
-                </p:childTnLst>
-              </p:cTn>
-              <p:prevCondLst>
-                <p:cond evt="onPrev" delay="0">
-                  <p:tgtEl>
-                    <p:sldTgt/>
-                  </p:tgtEl>
-                </p:cond>
-              </p:prevCondLst>
-              <p:nextCondLst>
-                <p:cond evt="onNext" delay="0">
-                  <p:tgtEl>
-                    <p:sldTgt/>
-                  </p:tgtEl>
-                </p:cond>
-              </p:nextCondLst>
-            </p:seq>
-          </p:childTnLst>
-        </p:cTn>
+        <p:cTn id="1" dur="indefinite" restart="never" nodeType="tmRoot"/>
       </p:par>
     </p:tnLst>
-    <p:bldLst>
-      <p:bldP spid="15" grpId="0" animBg="1"/>
-    </p:bldLst>
   </p:timing>
 </p:sld>
 </file>
@@ -9497,7 +9176,7 @@
           <p:spPr>
             <a:xfrm>
               <a:off x="6646968" y="1173606"/>
-              <a:ext cx="3140348" cy="461665"/>
+              <a:ext cx="3140348" cy="460375"/>
             </a:xfrm>
             <a:prstGeom prst="rect">
               <a:avLst/>
@@ -9518,8 +9197,15 @@
                   <a:latin typeface="思源宋体 Heavy" panose="02020900000000000000" pitchFamily="18" charset="-122"/>
                   <a:ea typeface="思源宋体 Heavy" panose="02020900000000000000" pitchFamily="18" charset="-122"/>
                 </a:rPr>
-                <a:t>事务模块</a:t>
+                <a:t>事务与恢复模块</a:t>
               </a:r>
+              <a:endParaRPr lang="zh-CN" altLang="en-US" sz="2400" b="1" dirty="0">
+                <a:solidFill>
+                  <a:srgbClr val="3F3D56"/>
+                </a:solidFill>
+                <a:latin typeface="思源宋体 Heavy" panose="02020900000000000000" pitchFamily="18" charset="-122"/>
+                <a:ea typeface="思源宋体 Heavy" panose="02020900000000000000" pitchFamily="18" charset="-122"/>
+              </a:endParaRPr>
             </a:p>
           </p:txBody>
         </p:sp>
@@ -9836,26 +9522,24 @@
                 </a:rPr>
                 <a:t>功能</a:t>
               </a:r>
+              <a:endParaRPr lang="zh-CN" altLang="en-US" dirty="0">
+                <a:latin typeface="思源宋体 Heavy" panose="02020900000000000000" pitchFamily="18" charset="-122"/>
+                <a:ea typeface="思源宋体 Heavy" panose="02020900000000000000" pitchFamily="18" charset="-122"/>
+              </a:endParaRPr>
             </a:p>
           </p:txBody>
         </p:sp>
       </p:grpSp>
       <p:sp>
         <p:nvSpPr>
-          <p:cNvPr id="20" name="文本框 19">
-            <a:extLst>
-              <a:ext uri="{FF2B5EF4-FFF2-40B4-BE49-F238E27FC236}">
-                <a16:creationId xmlns:a16="http://schemas.microsoft.com/office/drawing/2014/main" id="{221B2E36-9B3A-4ED8-B624-ADC1FCD07F18}"/>
-              </a:ext>
-            </a:extLst>
-          </p:cNvPr>
+          <p:cNvPr id="20" name="文本框 19"/>
           <p:cNvSpPr txBox="1"/>
           <p:nvPr/>
         </p:nvSpPr>
         <p:spPr>
           <a:xfrm>
             <a:off x="562814" y="2272866"/>
-            <a:ext cx="5568315" cy="1077218"/>
+            <a:ext cx="5568315" cy="1322070"/>
           </a:xfrm>
           <a:prstGeom prst="rect">
             <a:avLst/>
@@ -9889,6 +9573,10 @@
               </a:rPr>
               <a:t>strat transaction; commit;</a:t>
             </a:r>
+            <a:endParaRPr lang="en-US" altLang="zh-CN" sz="1600" dirty="0">
+              <a:latin typeface="思源宋体 Light" panose="02020300000000000000" pitchFamily="18" charset="-122"/>
+              <a:ea typeface="思源宋体 Light" panose="02020300000000000000" pitchFamily="18" charset="-122"/>
+            </a:endParaRPr>
           </a:p>
           <a:p>
             <a:r>
@@ -9926,6 +9614,10 @@
               </a:rPr>
               <a:t>rollback; </a:t>
             </a:r>
+            <a:endParaRPr lang="en-US" altLang="zh-CN" sz="1600" dirty="0">
+              <a:latin typeface="思源宋体 Light" panose="02020300000000000000" pitchFamily="18" charset="-122"/>
+              <a:ea typeface="思源宋体 Light" panose="02020300000000000000" pitchFamily="18" charset="-122"/>
+            </a:endParaRPr>
           </a:p>
           <a:p>
             <a:r>
@@ -9970,6 +9662,10 @@
               </a:rPr>
               <a:t>文件</a:t>
             </a:r>
+            <a:endParaRPr lang="zh-CN" altLang="en-US" sz="1600" dirty="0">
+              <a:latin typeface="思源宋体 Light" panose="02020300000000000000" pitchFamily="18" charset="-122"/>
+              <a:ea typeface="思源宋体 Light" panose="02020300000000000000" pitchFamily="18" charset="-122"/>
+            </a:endParaRPr>
           </a:p>
           <a:p>
             <a:r>
@@ -10000,33 +9696,52 @@
               </a:rPr>
               <a:t>协议的可重复读</a:t>
             </a:r>
+            <a:endParaRPr lang="zh-CN" altLang="en-US" sz="1600" dirty="0">
+              <a:latin typeface="思源宋体 Light" panose="02020300000000000000" pitchFamily="18" charset="-122"/>
+              <a:ea typeface="思源宋体 Light" panose="02020300000000000000" pitchFamily="18" charset="-122"/>
+            </a:endParaRPr>
+          </a:p>
+          <a:p>
+            <a:r>
+              <a:rPr lang="en-US" altLang="zh-CN" sz="1600" dirty="0">
+                <a:latin typeface="思源宋体 Light" panose="02020300000000000000" pitchFamily="18" charset="-122"/>
+                <a:ea typeface="思源宋体 Light" panose="02020300000000000000" pitchFamily="18" charset="-122"/>
+              </a:rPr>
+              <a:t>- </a:t>
+            </a:r>
+            <a:r>
+              <a:rPr lang="zh-CN" altLang="en-US" sz="1600" dirty="0">
+                <a:latin typeface="思源宋体 Light" panose="02020300000000000000" pitchFamily="18" charset="-122"/>
+                <a:ea typeface="思源宋体 Light" panose="02020300000000000000" pitchFamily="18" charset="-122"/>
+              </a:rPr>
+              <a:t>死锁回滚处理</a:t>
+            </a:r>
+            <a:endParaRPr lang="zh-CN" altLang="en-US" sz="1600" dirty="0">
+              <a:latin typeface="思源宋体 Light" panose="02020300000000000000" pitchFamily="18" charset="-122"/>
+              <a:ea typeface="思源宋体 Light" panose="02020300000000000000" pitchFamily="18" charset="-122"/>
+            </a:endParaRPr>
           </a:p>
         </p:txBody>
       </p:sp>
       <p:pic>
         <p:nvPicPr>
-          <p:cNvPr id="2" name="图片 1">
-            <a:extLst>
-              <a:ext uri="{FF2B5EF4-FFF2-40B4-BE49-F238E27FC236}">
-                <a16:creationId xmlns:a16="http://schemas.microsoft.com/office/drawing/2014/main" id="{C1C5859B-1039-421F-ABA5-5552F2B19D9C}"/>
-              </a:ext>
-            </a:extLst>
-          </p:cNvPr>
+          <p:cNvPr id="2" name="图片 1"/>
           <p:cNvPicPr>
             <a:picLocks noChangeAspect="1"/>
           </p:cNvPicPr>
           <p:nvPr/>
         </p:nvPicPr>
         <p:blipFill>
-          <a:blip r:embed="rId2"/>
+          <a:blip r:embed="rId1"/>
+          <a:srcRect t="7181"/>
           <a:stretch>
             <a:fillRect/>
           </a:stretch>
         </p:blipFill>
         <p:spPr>
           <a:xfrm>
-            <a:off x="6553889" y="1857540"/>
-            <a:ext cx="3907024" cy="1571460"/>
+            <a:off x="6562090" y="1961985"/>
+            <a:ext cx="3907155" cy="1458760"/>
           </a:xfrm>
           <a:prstGeom prst="rect">
             <a:avLst/>
@@ -10034,11 +9749,6 @@
         </p:spPr>
       </p:pic>
     </p:spTree>
-    <p:extLst>
-      <p:ext uri="{BB962C8B-B14F-4D97-AF65-F5344CB8AC3E}">
-        <p14:creationId xmlns:p14="http://schemas.microsoft.com/office/powerpoint/2010/main" val="1054263134"/>
-      </p:ext>
-    </p:extLst>
   </p:cSld>
   <p:clrMapOvr>
     <a:masterClrMapping/>
@@ -10046,147 +9756,824 @@
   <p:timing>
     <p:tnLst>
       <p:par>
-        <p:cTn id="1" dur="indefinite" restart="never" nodeType="tmRoot">
-          <p:childTnLst>
-            <p:seq concurrent="1" nextAc="seek">
-              <p:cTn id="2" dur="indefinite" nodeType="mainSeq">
-                <p:childTnLst>
-                  <p:par>
-                    <p:cTn id="3" fill="hold">
-                      <p:stCondLst>
-                        <p:cond delay="indefinite"/>
-                      </p:stCondLst>
-                      <p:childTnLst>
-                        <p:par>
-                          <p:cTn id="4" fill="hold">
-                            <p:stCondLst>
-                              <p:cond delay="0"/>
-                            </p:stCondLst>
-                            <p:childTnLst>
-                              <p:par>
-                                <p:cTn id="5" presetID="10" presetClass="entr" presetSubtype="0" fill="hold" nodeType="clickEffect">
-                                  <p:stCondLst>
-                                    <p:cond delay="0"/>
-                                  </p:stCondLst>
-                                  <p:childTnLst>
-                                    <p:set>
-                                      <p:cBhvr>
-                                        <p:cTn id="6" dur="1" fill="hold">
-                                          <p:stCondLst>
-                                            <p:cond delay="0"/>
-                                          </p:stCondLst>
-                                        </p:cTn>
-                                        <p:tgtEl>
-                                          <p:spTgt spid="24"/>
-                                        </p:tgtEl>
-                                        <p:attrNameLst>
-                                          <p:attrName>style.visibility</p:attrName>
-                                        </p:attrNameLst>
-                                      </p:cBhvr>
-                                      <p:to>
-                                        <p:strVal val="visible"/>
-                                      </p:to>
-                                    </p:set>
-                                    <p:animEffect transition="in" filter="fade">
-                                      <p:cBhvr>
-                                        <p:cTn id="7" dur="500"/>
-                                        <p:tgtEl>
-                                          <p:spTgt spid="24"/>
-                                        </p:tgtEl>
-                                      </p:cBhvr>
-                                    </p:animEffect>
-                                  </p:childTnLst>
-                                </p:cTn>
-                              </p:par>
-                            </p:childTnLst>
-                          </p:cTn>
-                        </p:par>
-                      </p:childTnLst>
-                    </p:cTn>
-                  </p:par>
-                  <p:par>
-                    <p:cTn id="8" fill="hold">
-                      <p:stCondLst>
-                        <p:cond delay="indefinite"/>
-                      </p:stCondLst>
-                      <p:childTnLst>
-                        <p:par>
-                          <p:cTn id="9" fill="hold">
-                            <p:stCondLst>
-                              <p:cond delay="0"/>
-                            </p:stCondLst>
-                            <p:childTnLst>
-                              <p:par>
-                                <p:cTn id="10" presetID="14" presetClass="entr" presetSubtype="10" fill="hold" grpId="0" nodeType="clickEffect">
-                                  <p:stCondLst>
-                                    <p:cond delay="0"/>
-                                  </p:stCondLst>
-                                  <p:childTnLst>
-                                    <p:set>
-                                      <p:cBhvr>
-                                        <p:cTn id="11" dur="1" fill="hold">
-                                          <p:stCondLst>
-                                            <p:cond delay="0"/>
-                                          </p:stCondLst>
-                                        </p:cTn>
-                                        <p:tgtEl>
-                                          <p:spTgt spid="15"/>
-                                        </p:tgtEl>
-                                        <p:attrNameLst>
-                                          <p:attrName>style.visibility</p:attrName>
-                                        </p:attrNameLst>
-                                      </p:cBhvr>
-                                      <p:to>
-                                        <p:strVal val="visible"/>
-                                      </p:to>
-                                    </p:set>
-                                    <p:animEffect transition="in" filter="randombar(horizontal)">
-                                      <p:cBhvr>
-                                        <p:cTn id="12" dur="500"/>
-                                        <p:tgtEl>
-                                          <p:spTgt spid="15"/>
-                                        </p:tgtEl>
-                                      </p:cBhvr>
-                                    </p:animEffect>
-                                  </p:childTnLst>
-                                </p:cTn>
-                              </p:par>
-                            </p:childTnLst>
-                          </p:cTn>
-                        </p:par>
-                      </p:childTnLst>
-                    </p:cTn>
-                  </p:par>
-                </p:childTnLst>
-              </p:cTn>
-              <p:prevCondLst>
-                <p:cond evt="onPrev" delay="0">
-                  <p:tgtEl>
-                    <p:sldTgt/>
-                  </p:tgtEl>
-                </p:cond>
-              </p:prevCondLst>
-              <p:nextCondLst>
-                <p:cond evt="onNext" delay="0">
-                  <p:tgtEl>
-                    <p:sldTgt/>
-                  </p:tgtEl>
-                </p:cond>
-              </p:nextCondLst>
-            </p:seq>
-          </p:childTnLst>
-        </p:cTn>
+        <p:cTn id="1" dur="indefinite" restart="never" nodeType="tmRoot"/>
       </p:par>
     </p:tnLst>
-    <p:bldLst>
-      <p:bldP spid="15" grpId="0" animBg="1"/>
-    </p:bldLst>
+  </p:timing>
+</p:sld>
+</file>
+
+<file path=ppt/slides/slide8.xml><?xml version="1.0" encoding="utf-8"?>
+<p:sld xmlns:a="http://schemas.openxmlformats.org/drawingml/2006/main" xmlns:r="http://schemas.openxmlformats.org/officeDocument/2006/relationships" xmlns:p="http://schemas.openxmlformats.org/presentationml/2006/main">
+  <p:cSld>
+    <p:spTree>
+      <p:nvGrpSpPr>
+        <p:cNvPr id="1" name=""/>
+        <p:cNvGrpSpPr/>
+        <p:nvPr/>
+      </p:nvGrpSpPr>
+      <p:grpSpPr>
+        <a:xfrm>
+          <a:off x="0" y="0"/>
+          <a:ext cx="0" cy="0"/>
+          <a:chOff x="0" y="0"/>
+          <a:chExt cx="0" cy="0"/>
+        </a:xfrm>
+      </p:grpSpPr>
+      <p:sp>
+        <p:nvSpPr>
+          <p:cNvPr id="54" name="矩形 53"/>
+          <p:cNvSpPr/>
+          <p:nvPr/>
+        </p:nvSpPr>
+        <p:spPr>
+          <a:xfrm>
+            <a:off x="2083949" y="-1230577"/>
+            <a:ext cx="3961248" cy="871456"/>
+          </a:xfrm>
+          <a:prstGeom prst="rect">
+            <a:avLst/>
+          </a:prstGeom>
+          <a:solidFill>
+            <a:srgbClr val="D0CDE1"/>
+          </a:solidFill>
+          <a:ln>
+            <a:noFill/>
+          </a:ln>
+        </p:spPr>
+        <p:style>
+          <a:lnRef idx="2">
+            <a:schemeClr val="accent1">
+              <a:shade val="50000"/>
+            </a:schemeClr>
+          </a:lnRef>
+          <a:fillRef idx="1">
+            <a:schemeClr val="accent1"/>
+          </a:fillRef>
+          <a:effectRef idx="0">
+            <a:schemeClr val="accent1"/>
+          </a:effectRef>
+          <a:fontRef idx="minor">
+            <a:schemeClr val="lt1"/>
+          </a:fontRef>
+        </p:style>
+        <p:txBody>
+          <a:bodyPr rtlCol="0" anchor="ctr"/>
+          <a:lstStyle/>
+          <a:p>
+            <a:pPr algn="ctr"/>
+            <a:endParaRPr lang="zh-CN" altLang="en-US"/>
+          </a:p>
+        </p:txBody>
+      </p:sp>
+      <p:sp>
+        <p:nvSpPr>
+          <p:cNvPr id="15" name="任意多边形: 形状 14"/>
+          <p:cNvSpPr/>
+          <p:nvPr/>
+        </p:nvSpPr>
+        <p:spPr>
+          <a:xfrm>
+            <a:off x="7305037" y="-891480"/>
+            <a:ext cx="7228844" cy="9436713"/>
+          </a:xfrm>
+          <a:custGeom>
+            <a:avLst/>
+            <a:gdLst>
+              <a:gd name="connsiteX0" fmla="*/ 548207 w 7228844"/>
+              <a:gd name="connsiteY0" fmla="*/ 734961 h 9436713"/>
+              <a:gd name="connsiteX1" fmla="*/ 1706447 w 7228844"/>
+              <a:gd name="connsiteY1" fmla="*/ 2883801 h 9436713"/>
+              <a:gd name="connsiteX2" fmla="*/ 761567 w 7228844"/>
+              <a:gd name="connsiteY2" fmla="*/ 5169801 h 9436713"/>
+              <a:gd name="connsiteX3" fmla="*/ 1203527 w 7228844"/>
+              <a:gd name="connsiteY3" fmla="*/ 6495681 h 9436713"/>
+              <a:gd name="connsiteX4" fmla="*/ 14807 w 7228844"/>
+              <a:gd name="connsiteY4" fmla="*/ 7882521 h 9436713"/>
+              <a:gd name="connsiteX5" fmla="*/ 2178887 w 7228844"/>
+              <a:gd name="connsiteY5" fmla="*/ 8918841 h 9436713"/>
+              <a:gd name="connsiteX6" fmla="*/ 6568007 w 7228844"/>
+              <a:gd name="connsiteY6" fmla="*/ 8735961 h 9436713"/>
+              <a:gd name="connsiteX7" fmla="*/ 6583247 w 7228844"/>
+              <a:gd name="connsiteY7" fmla="*/ 658761 h 9436713"/>
+              <a:gd name="connsiteX8" fmla="*/ 548207 w 7228844"/>
+              <a:gd name="connsiteY8" fmla="*/ 734961 h 9436713"/>
+            </a:gdLst>
+            <a:ahLst/>
+            <a:cxnLst>
+              <a:cxn ang="0">
+                <a:pos x="connsiteX0" y="connsiteY0"/>
+              </a:cxn>
+              <a:cxn ang="0">
+                <a:pos x="connsiteX1" y="connsiteY1"/>
+              </a:cxn>
+              <a:cxn ang="0">
+                <a:pos x="connsiteX2" y="connsiteY2"/>
+              </a:cxn>
+              <a:cxn ang="0">
+                <a:pos x="connsiteX3" y="connsiteY3"/>
+              </a:cxn>
+              <a:cxn ang="0">
+                <a:pos x="connsiteX4" y="connsiteY4"/>
+              </a:cxn>
+              <a:cxn ang="0">
+                <a:pos x="connsiteX5" y="connsiteY5"/>
+              </a:cxn>
+              <a:cxn ang="0">
+                <a:pos x="connsiteX6" y="connsiteY6"/>
+              </a:cxn>
+              <a:cxn ang="0">
+                <a:pos x="connsiteX7" y="connsiteY7"/>
+              </a:cxn>
+              <a:cxn ang="0">
+                <a:pos x="connsiteX8" y="connsiteY8"/>
+              </a:cxn>
+            </a:cxnLst>
+            <a:rect l="l" t="t" r="r" b="b"/>
+            <a:pathLst>
+              <a:path w="7228844" h="9436713">
+                <a:moveTo>
+                  <a:pt x="548207" y="734961"/>
+                </a:moveTo>
+                <a:cubicBezTo>
+                  <a:pt x="-264593" y="1105801"/>
+                  <a:pt x="1670887" y="2144661"/>
+                  <a:pt x="1706447" y="2883801"/>
+                </a:cubicBezTo>
+                <a:cubicBezTo>
+                  <a:pt x="1742007" y="3622941"/>
+                  <a:pt x="845387" y="4567821"/>
+                  <a:pt x="761567" y="5169801"/>
+                </a:cubicBezTo>
+                <a:cubicBezTo>
+                  <a:pt x="677747" y="5771781"/>
+                  <a:pt x="1327987" y="6043561"/>
+                  <a:pt x="1203527" y="6495681"/>
+                </a:cubicBezTo>
+                <a:cubicBezTo>
+                  <a:pt x="1079067" y="6947801"/>
+                  <a:pt x="-147753" y="7478661"/>
+                  <a:pt x="14807" y="7882521"/>
+                </a:cubicBezTo>
+                <a:cubicBezTo>
+                  <a:pt x="177367" y="8286381"/>
+                  <a:pt x="1086687" y="8776601"/>
+                  <a:pt x="2178887" y="8918841"/>
+                </a:cubicBezTo>
+                <a:cubicBezTo>
+                  <a:pt x="3271087" y="9061081"/>
+                  <a:pt x="5833947" y="10112641"/>
+                  <a:pt x="6568007" y="8735961"/>
+                </a:cubicBezTo>
+                <a:cubicBezTo>
+                  <a:pt x="7302067" y="7359281"/>
+                  <a:pt x="7578927" y="1989721"/>
+                  <a:pt x="6583247" y="658761"/>
+                </a:cubicBezTo>
+                <a:cubicBezTo>
+                  <a:pt x="5587567" y="-672199"/>
+                  <a:pt x="1361007" y="364121"/>
+                  <a:pt x="548207" y="734961"/>
+                </a:cubicBezTo>
+                <a:close/>
+              </a:path>
+            </a:pathLst>
+          </a:custGeom>
+          <a:solidFill>
+            <a:srgbClr val="6C63FF">
+              <a:alpha val="39000"/>
+            </a:srgbClr>
+          </a:solidFill>
+          <a:ln>
+            <a:noFill/>
+          </a:ln>
+        </p:spPr>
+        <p:style>
+          <a:lnRef idx="2">
+            <a:schemeClr val="accent1">
+              <a:shade val="50000"/>
+            </a:schemeClr>
+          </a:lnRef>
+          <a:fillRef idx="1">
+            <a:schemeClr val="accent1"/>
+          </a:fillRef>
+          <a:effectRef idx="0">
+            <a:schemeClr val="accent1"/>
+          </a:effectRef>
+          <a:fontRef idx="minor">
+            <a:schemeClr val="lt1"/>
+          </a:fontRef>
+        </p:style>
+        <p:txBody>
+          <a:bodyPr rtlCol="0" anchor="ctr"/>
+          <a:lstStyle/>
+          <a:p>
+            <a:pPr algn="ctr"/>
+            <a:endParaRPr lang="zh-CN" altLang="en-US"/>
+          </a:p>
+        </p:txBody>
+      </p:sp>
+      <p:grpSp>
+        <p:nvGrpSpPr>
+          <p:cNvPr id="24" name="组合 23"/>
+          <p:cNvGrpSpPr/>
+          <p:nvPr/>
+        </p:nvGrpSpPr>
+        <p:grpSpPr>
+          <a:xfrm>
+            <a:off x="479376" y="332656"/>
+            <a:ext cx="4248472" cy="837184"/>
+            <a:chOff x="5538844" y="1151657"/>
+            <a:chExt cx="4248472" cy="837184"/>
+          </a:xfrm>
+        </p:grpSpPr>
+        <p:sp>
+          <p:nvSpPr>
+            <p:cNvPr id="25" name="椭圆 24"/>
+            <p:cNvSpPr/>
+            <p:nvPr/>
+          </p:nvSpPr>
+          <p:spPr>
+            <a:xfrm>
+              <a:off x="5538844" y="1772309"/>
+              <a:ext cx="1086349" cy="216532"/>
+            </a:xfrm>
+            <a:prstGeom prst="ellipse">
+              <a:avLst/>
+            </a:prstGeom>
+            <a:solidFill>
+              <a:schemeClr val="bg1">
+                <a:lumMod val="85000"/>
+                <a:alpha val="50000"/>
+              </a:schemeClr>
+            </a:solidFill>
+            <a:ln>
+              <a:noFill/>
+            </a:ln>
+          </p:spPr>
+          <p:style>
+            <a:lnRef idx="2">
+              <a:schemeClr val="accent1">
+                <a:shade val="50000"/>
+              </a:schemeClr>
+            </a:lnRef>
+            <a:fillRef idx="1">
+              <a:schemeClr val="accent1"/>
+            </a:fillRef>
+            <a:effectRef idx="0">
+              <a:schemeClr val="accent1"/>
+            </a:effectRef>
+            <a:fontRef idx="minor">
+              <a:schemeClr val="lt1"/>
+            </a:fontRef>
+          </p:style>
+          <p:txBody>
+            <a:bodyPr rtlCol="0" anchor="ctr"/>
+            <a:lstStyle/>
+            <a:p>
+              <a:pPr algn="ctr"/>
+              <a:endParaRPr lang="zh-CN" altLang="en-US"/>
+            </a:p>
+          </p:txBody>
+        </p:sp>
+        <p:sp>
+          <p:nvSpPr>
+            <p:cNvPr id="26" name="泪滴形 25"/>
+            <p:cNvSpPr/>
+            <p:nvPr/>
+          </p:nvSpPr>
+          <p:spPr>
+            <a:xfrm rot="8074129">
+              <a:off x="5800161" y="1151657"/>
+              <a:ext cx="562146" cy="562146"/>
+            </a:xfrm>
+            <a:prstGeom prst="teardrop">
+              <a:avLst/>
+            </a:prstGeom>
+            <a:solidFill>
+              <a:srgbClr val="6C63FF"/>
+            </a:solidFill>
+            <a:ln>
+              <a:noFill/>
+            </a:ln>
+          </p:spPr>
+          <p:style>
+            <a:lnRef idx="2">
+              <a:schemeClr val="accent1">
+                <a:shade val="50000"/>
+              </a:schemeClr>
+            </a:lnRef>
+            <a:fillRef idx="1">
+              <a:schemeClr val="accent1"/>
+            </a:fillRef>
+            <a:effectRef idx="0">
+              <a:schemeClr val="accent1"/>
+            </a:effectRef>
+            <a:fontRef idx="minor">
+              <a:schemeClr val="lt1"/>
+            </a:fontRef>
+          </p:style>
+          <p:txBody>
+            <a:bodyPr rtlCol="0" anchor="ctr"/>
+            <a:lstStyle/>
+            <a:p>
+              <a:pPr algn="ctr"/>
+              <a:endParaRPr lang="zh-CN" altLang="en-US"/>
+            </a:p>
+          </p:txBody>
+        </p:sp>
+        <p:sp>
+          <p:nvSpPr>
+            <p:cNvPr id="27" name="文本框 26"/>
+            <p:cNvSpPr txBox="1"/>
+            <p:nvPr/>
+          </p:nvSpPr>
+          <p:spPr>
+            <a:xfrm>
+              <a:off x="6646968" y="1173606"/>
+              <a:ext cx="3140348" cy="461665"/>
+            </a:xfrm>
+            <a:prstGeom prst="rect">
+              <a:avLst/>
+            </a:prstGeom>
+            <a:noFill/>
+          </p:spPr>
+          <p:txBody>
+            <a:bodyPr wrap="square" rtlCol="0">
+              <a:spAutoFit/>
+            </a:bodyPr>
+            <a:lstStyle/>
+            <a:p>
+              <a:r>
+                <a:rPr lang="zh-CN" altLang="en-US" sz="2400" b="1" dirty="0">
+                  <a:solidFill>
+                    <a:srgbClr val="3F3D56"/>
+                  </a:solidFill>
+                  <a:latin typeface="思源宋体 Heavy" panose="02020900000000000000" pitchFamily="18" charset="-122"/>
+                  <a:ea typeface="思源宋体 Heavy" panose="02020900000000000000" pitchFamily="18" charset="-122"/>
+                </a:rPr>
+                <a:t>事务模块</a:t>
+              </a:r>
+              <a:endParaRPr lang="zh-CN" altLang="en-US" sz="2400" b="1" dirty="0">
+                <a:solidFill>
+                  <a:srgbClr val="3F3D56"/>
+                </a:solidFill>
+                <a:latin typeface="思源宋体 Heavy" panose="02020900000000000000" pitchFamily="18" charset="-122"/>
+                <a:ea typeface="思源宋体 Heavy" panose="02020900000000000000" pitchFamily="18" charset="-122"/>
+              </a:endParaRPr>
+            </a:p>
+          </p:txBody>
+        </p:sp>
+      </p:grpSp>
+      <p:grpSp>
+        <p:nvGrpSpPr>
+          <p:cNvPr id="38" name="组合 37"/>
+          <p:cNvGrpSpPr/>
+          <p:nvPr/>
+        </p:nvGrpSpPr>
+        <p:grpSpPr>
+          <a:xfrm>
+            <a:off x="479376" y="1651596"/>
+            <a:ext cx="5110239" cy="2353468"/>
+            <a:chOff x="479376" y="1651596"/>
+            <a:chExt cx="5110239" cy="2353468"/>
+          </a:xfrm>
+        </p:grpSpPr>
+        <p:grpSp>
+          <p:nvGrpSpPr>
+            <p:cNvPr id="32" name="组合 31"/>
+            <p:cNvGrpSpPr/>
+            <p:nvPr/>
+          </p:nvGrpSpPr>
+          <p:grpSpPr>
+            <a:xfrm>
+              <a:off x="562814" y="1682140"/>
+              <a:ext cx="936105" cy="284291"/>
+              <a:chOff x="1343471" y="1566800"/>
+              <a:chExt cx="936105" cy="284291"/>
+            </a:xfrm>
+            <a:solidFill>
+              <a:srgbClr val="38355F"/>
+            </a:solidFill>
+          </p:grpSpPr>
+          <p:sp>
+            <p:nvSpPr>
+              <p:cNvPr id="33" name="矩形: 圆角 32"/>
+              <p:cNvSpPr/>
+              <p:nvPr/>
+            </p:nvSpPr>
+            <p:spPr>
+              <a:xfrm>
+                <a:off x="1343471" y="1566800"/>
+                <a:ext cx="576065" cy="284291"/>
+              </a:xfrm>
+              <a:prstGeom prst="roundRect">
+                <a:avLst>
+                  <a:gd name="adj" fmla="val 50000"/>
+                </a:avLst>
+              </a:prstGeom>
+              <a:grpFill/>
+              <a:ln>
+                <a:noFill/>
+              </a:ln>
+            </p:spPr>
+            <p:style>
+              <a:lnRef idx="2">
+                <a:schemeClr val="accent1">
+                  <a:shade val="50000"/>
+                </a:schemeClr>
+              </a:lnRef>
+              <a:fillRef idx="1">
+                <a:schemeClr val="accent1"/>
+              </a:fillRef>
+              <a:effectRef idx="0">
+                <a:schemeClr val="accent1"/>
+              </a:effectRef>
+              <a:fontRef idx="minor">
+                <a:schemeClr val="lt1"/>
+              </a:fontRef>
+            </p:style>
+            <p:txBody>
+              <a:bodyPr rtlCol="0" anchor="ctr"/>
+              <a:lstStyle/>
+              <a:p>
+                <a:pPr algn="ctr"/>
+                <a:endParaRPr lang="zh-CN" altLang="en-US"/>
+              </a:p>
+            </p:txBody>
+          </p:sp>
+          <p:sp>
+            <p:nvSpPr>
+              <p:cNvPr id="34" name="矩形: 圆角 33"/>
+              <p:cNvSpPr/>
+              <p:nvPr/>
+            </p:nvSpPr>
+            <p:spPr>
+              <a:xfrm>
+                <a:off x="2071111" y="1570445"/>
+                <a:ext cx="208465" cy="277000"/>
+              </a:xfrm>
+              <a:prstGeom prst="roundRect">
+                <a:avLst>
+                  <a:gd name="adj" fmla="val 50000"/>
+                </a:avLst>
+              </a:prstGeom>
+              <a:grpFill/>
+              <a:ln>
+                <a:noFill/>
+              </a:ln>
+            </p:spPr>
+            <p:style>
+              <a:lnRef idx="2">
+                <a:schemeClr val="accent1">
+                  <a:shade val="50000"/>
+                </a:schemeClr>
+              </a:lnRef>
+              <a:fillRef idx="1">
+                <a:schemeClr val="accent1"/>
+              </a:fillRef>
+              <a:effectRef idx="0">
+                <a:schemeClr val="accent1"/>
+              </a:effectRef>
+              <a:fontRef idx="minor">
+                <a:schemeClr val="lt1"/>
+              </a:fontRef>
+            </p:style>
+            <p:txBody>
+              <a:bodyPr rtlCol="0" anchor="ctr"/>
+              <a:lstStyle/>
+              <a:p>
+                <a:pPr algn="ctr"/>
+                <a:endParaRPr lang="zh-CN" altLang="en-US"/>
+              </a:p>
+            </p:txBody>
+          </p:sp>
+        </p:grpSp>
+        <p:grpSp>
+          <p:nvGrpSpPr>
+            <p:cNvPr id="31" name="组合 30"/>
+            <p:cNvGrpSpPr/>
+            <p:nvPr/>
+          </p:nvGrpSpPr>
+          <p:grpSpPr>
+            <a:xfrm>
+              <a:off x="553713" y="1651596"/>
+              <a:ext cx="936105" cy="284291"/>
+              <a:chOff x="1343471" y="1566800"/>
+              <a:chExt cx="936105" cy="284291"/>
+            </a:xfrm>
+          </p:grpSpPr>
+          <p:sp>
+            <p:nvSpPr>
+              <p:cNvPr id="29" name="矩形: 圆角 28"/>
+              <p:cNvSpPr/>
+              <p:nvPr/>
+            </p:nvSpPr>
+            <p:spPr>
+              <a:xfrm>
+                <a:off x="1343471" y="1566800"/>
+                <a:ext cx="576065" cy="284291"/>
+              </a:xfrm>
+              <a:prstGeom prst="roundRect">
+                <a:avLst>
+                  <a:gd name="adj" fmla="val 50000"/>
+                </a:avLst>
+              </a:prstGeom>
+              <a:solidFill>
+                <a:srgbClr val="6C63FF"/>
+              </a:solidFill>
+              <a:ln>
+                <a:noFill/>
+              </a:ln>
+            </p:spPr>
+            <p:style>
+              <a:lnRef idx="2">
+                <a:schemeClr val="accent1">
+                  <a:shade val="50000"/>
+                </a:schemeClr>
+              </a:lnRef>
+              <a:fillRef idx="1">
+                <a:schemeClr val="accent1"/>
+              </a:fillRef>
+              <a:effectRef idx="0">
+                <a:schemeClr val="accent1"/>
+              </a:effectRef>
+              <a:fontRef idx="minor">
+                <a:schemeClr val="lt1"/>
+              </a:fontRef>
+            </p:style>
+            <p:txBody>
+              <a:bodyPr rtlCol="0" anchor="ctr"/>
+              <a:lstStyle/>
+              <a:p>
+                <a:pPr algn="ctr"/>
+                <a:endParaRPr lang="zh-CN" altLang="en-US"/>
+              </a:p>
+            </p:txBody>
+          </p:sp>
+          <p:sp>
+            <p:nvSpPr>
+              <p:cNvPr id="30" name="矩形: 圆角 29"/>
+              <p:cNvSpPr/>
+              <p:nvPr/>
+            </p:nvSpPr>
+            <p:spPr>
+              <a:xfrm>
+                <a:off x="2071111" y="1570445"/>
+                <a:ext cx="208465" cy="277000"/>
+              </a:xfrm>
+              <a:prstGeom prst="roundRect">
+                <a:avLst>
+                  <a:gd name="adj" fmla="val 50000"/>
+                </a:avLst>
+              </a:prstGeom>
+              <a:solidFill>
+                <a:srgbClr val="6C63FF"/>
+              </a:solidFill>
+              <a:ln>
+                <a:noFill/>
+              </a:ln>
+            </p:spPr>
+            <p:style>
+              <a:lnRef idx="2">
+                <a:schemeClr val="accent1">
+                  <a:shade val="50000"/>
+                </a:schemeClr>
+              </a:lnRef>
+              <a:fillRef idx="1">
+                <a:schemeClr val="accent1"/>
+              </a:fillRef>
+              <a:effectRef idx="0">
+                <a:schemeClr val="accent1"/>
+              </a:effectRef>
+              <a:fontRef idx="minor">
+                <a:schemeClr val="lt1"/>
+              </a:fontRef>
+            </p:style>
+            <p:txBody>
+              <a:bodyPr rtlCol="0" anchor="ctr"/>
+              <a:lstStyle/>
+              <a:p>
+                <a:pPr algn="ctr"/>
+                <a:endParaRPr lang="zh-CN" altLang="en-US"/>
+              </a:p>
+            </p:txBody>
+          </p:sp>
+        </p:grpSp>
+        <p:sp>
+          <p:nvSpPr>
+            <p:cNvPr id="35" name="矩形: 圆角 34"/>
+            <p:cNvSpPr/>
+            <p:nvPr/>
+          </p:nvSpPr>
+          <p:spPr>
+            <a:xfrm>
+              <a:off x="479376" y="2132856"/>
+              <a:ext cx="5110239" cy="1872208"/>
+            </a:xfrm>
+            <a:prstGeom prst="roundRect">
+              <a:avLst/>
+            </a:prstGeom>
+            <a:solidFill>
+              <a:srgbClr val="D0CDE1">
+                <a:alpha val="72000"/>
+              </a:srgbClr>
+            </a:solidFill>
+            <a:ln>
+              <a:noFill/>
+            </a:ln>
+          </p:spPr>
+          <p:style>
+            <a:lnRef idx="2">
+              <a:schemeClr val="accent1">
+                <a:shade val="50000"/>
+              </a:schemeClr>
+            </a:lnRef>
+            <a:fillRef idx="1">
+              <a:schemeClr val="accent1"/>
+            </a:fillRef>
+            <a:effectRef idx="0">
+              <a:schemeClr val="accent1"/>
+            </a:effectRef>
+            <a:fontRef idx="minor">
+              <a:schemeClr val="lt1"/>
+            </a:fontRef>
+          </p:style>
+          <p:txBody>
+            <a:bodyPr rtlCol="0" anchor="ctr"/>
+            <a:lstStyle/>
+            <a:p>
+              <a:pPr algn="ctr"/>
+              <a:endParaRPr lang="zh-CN" altLang="en-US"/>
+            </a:p>
+          </p:txBody>
+        </p:sp>
+        <p:sp>
+          <p:nvSpPr>
+            <p:cNvPr id="36" name="文本框 35"/>
+            <p:cNvSpPr txBox="1"/>
+            <p:nvPr/>
+          </p:nvSpPr>
+          <p:spPr>
+            <a:xfrm>
+              <a:off x="1498919" y="1651596"/>
+              <a:ext cx="2220817" cy="369332"/>
+            </a:xfrm>
+            <a:prstGeom prst="rect">
+              <a:avLst/>
+            </a:prstGeom>
+            <a:noFill/>
+          </p:spPr>
+          <p:txBody>
+            <a:bodyPr wrap="square" rtlCol="0">
+              <a:spAutoFit/>
+            </a:bodyPr>
+            <a:lstStyle/>
+            <a:p>
+              <a:r>
+                <a:rPr lang="zh-CN" altLang="en-US" dirty="0">
+                  <a:latin typeface="思源宋体 Heavy" panose="02020900000000000000" pitchFamily="18" charset="-122"/>
+                  <a:ea typeface="思源宋体 Heavy" panose="02020900000000000000" pitchFamily="18" charset="-122"/>
+                </a:rPr>
+                <a:t>功能</a:t>
+              </a:r>
+              <a:endParaRPr lang="zh-CN" altLang="en-US" dirty="0">
+                <a:latin typeface="思源宋体 Heavy" panose="02020900000000000000" pitchFamily="18" charset="-122"/>
+                <a:ea typeface="思源宋体 Heavy" panose="02020900000000000000" pitchFamily="18" charset="-122"/>
+              </a:endParaRPr>
+            </a:p>
+          </p:txBody>
+        </p:sp>
+      </p:grpSp>
+      <p:sp>
+        <p:nvSpPr>
+          <p:cNvPr id="20" name="文本框 19"/>
+          <p:cNvSpPr txBox="1"/>
+          <p:nvPr/>
+        </p:nvSpPr>
+        <p:spPr>
+          <a:xfrm>
+            <a:off x="562814" y="2272866"/>
+            <a:ext cx="5568315" cy="1322070"/>
+          </a:xfrm>
+          <a:prstGeom prst="rect">
+            <a:avLst/>
+          </a:prstGeom>
+          <a:noFill/>
+        </p:spPr>
+        <p:txBody>
+          <a:bodyPr wrap="square" rtlCol="0">
+            <a:spAutoFit/>
+          </a:bodyPr>
+          <a:lstStyle/>
+          <a:p>
+            <a:r>
+              <a:rPr sz="1600" dirty="0">
+                <a:latin typeface="思源宋体 Light" panose="02020300000000000000" pitchFamily="18" charset="-122"/>
+                <a:ea typeface="思源宋体 Light" panose="02020300000000000000" pitchFamily="18" charset="-122"/>
+              </a:rPr>
+              <a:t>- 用户的登录与验证</a:t>
+            </a:r>
+            <a:endParaRPr sz="1600" dirty="0">
+              <a:latin typeface="思源宋体 Light" panose="02020300000000000000" pitchFamily="18" charset="-122"/>
+              <a:ea typeface="思源宋体 Light" panose="02020300000000000000" pitchFamily="18" charset="-122"/>
+            </a:endParaRPr>
+          </a:p>
+          <a:p>
+            <a:r>
+              <a:rPr sz="1600" dirty="0">
+                <a:latin typeface="思源宋体 Light" panose="02020300000000000000" pitchFamily="18" charset="-122"/>
+                <a:ea typeface="思源宋体 Light" panose="02020300000000000000" pitchFamily="18" charset="-122"/>
+              </a:rPr>
+              <a:t>- 用户的创建(create user)和删除(drop user)</a:t>
+            </a:r>
+            <a:endParaRPr sz="1600" dirty="0">
+              <a:latin typeface="思源宋体 Light" panose="02020300000000000000" pitchFamily="18" charset="-122"/>
+              <a:ea typeface="思源宋体 Light" panose="02020300000000000000" pitchFamily="18" charset="-122"/>
+            </a:endParaRPr>
+          </a:p>
+          <a:p>
+            <a:r>
+              <a:rPr sz="1600" dirty="0">
+                <a:latin typeface="思源宋体 Light" panose="02020300000000000000" pitchFamily="18" charset="-122"/>
+                <a:ea typeface="思源宋体 Light" panose="02020300000000000000" pitchFamily="18" charset="-122"/>
+              </a:rPr>
+              <a:t>- 授权(grant)和收回权限(revoke)</a:t>
+            </a:r>
+            <a:endParaRPr sz="1600" dirty="0">
+              <a:latin typeface="思源宋体 Light" panose="02020300000000000000" pitchFamily="18" charset="-122"/>
+              <a:ea typeface="思源宋体 Light" panose="02020300000000000000" pitchFamily="18" charset="-122"/>
+            </a:endParaRPr>
+          </a:p>
+          <a:p>
+            <a:r>
+              <a:rPr sz="1600" dirty="0">
+                <a:latin typeface="思源宋体 Light" panose="02020300000000000000" pitchFamily="18" charset="-122"/>
+                <a:ea typeface="思源宋体 Light" panose="02020300000000000000" pitchFamily="18" charset="-122"/>
+              </a:rPr>
+              <a:t>- 拥有所有权限的数据库管理员root</a:t>
+            </a:r>
+            <a:endParaRPr sz="1600" dirty="0">
+              <a:latin typeface="思源宋体 Light" panose="02020300000000000000" pitchFamily="18" charset="-122"/>
+              <a:ea typeface="思源宋体 Light" panose="02020300000000000000" pitchFamily="18" charset="-122"/>
+            </a:endParaRPr>
+          </a:p>
+          <a:p>
+            <a:r>
+              <a:rPr sz="1600" dirty="0">
+                <a:latin typeface="思源宋体 Light" panose="02020300000000000000" pitchFamily="18" charset="-122"/>
+                <a:ea typeface="思源宋体 Light" panose="02020300000000000000" pitchFamily="18" charset="-122"/>
+              </a:rPr>
+              <a:t>- 用户数据持久化储存</a:t>
+            </a:r>
+            <a:endParaRPr sz="1600" dirty="0">
+              <a:latin typeface="思源宋体 Light" panose="02020300000000000000" pitchFamily="18" charset="-122"/>
+              <a:ea typeface="思源宋体 Light" panose="02020300000000000000" pitchFamily="18" charset="-122"/>
+            </a:endParaRPr>
+          </a:p>
+        </p:txBody>
+      </p:sp>
+      <p:pic>
+        <p:nvPicPr>
+          <p:cNvPr id="3" name="图片 2" descr="截屏2020-06-14 下午10.48.26"/>
+          <p:cNvPicPr>
+            <a:picLocks noChangeAspect="1"/>
+          </p:cNvPicPr>
+          <p:nvPr/>
+        </p:nvPicPr>
+        <p:blipFill>
+          <a:blip r:embed="rId1"/>
+          <a:stretch>
+            <a:fillRect/>
+          </a:stretch>
+        </p:blipFill>
+        <p:spPr>
+          <a:xfrm>
+            <a:off x="6967855" y="2021205"/>
+            <a:ext cx="2768600" cy="546100"/>
+          </a:xfrm>
+          <a:prstGeom prst="rect">
+            <a:avLst/>
+          </a:prstGeom>
+        </p:spPr>
+      </p:pic>
+    </p:spTree>
+  </p:cSld>
+  <p:clrMapOvr>
+    <a:masterClrMapping/>
+  </p:clrMapOvr>
+  <p:timing>
+    <p:tnLst>
+      <p:par>
+        <p:cTn id="1" dur="indefinite" restart="never" nodeType="tmRoot"/>
+      </p:par>
+    </p:tnLst>
   </p:timing>
 </p:sld>
 </file>
 
 <file path=ppt/tags/tag1.xml><?xml version="1.0" encoding="utf-8"?>
-<p:tagLst xmlns:a="http://schemas.openxmlformats.org/drawingml/2006/main" xmlns:r="http://schemas.openxmlformats.org/officeDocument/2006/relationships" xmlns:p="http://schemas.openxmlformats.org/presentationml/2006/main">
+<p:tagLst xmlns:p="http://schemas.openxmlformats.org/presentationml/2006/main">
   <p:tag name="KSO_WM_SLIDE_MODEL_TYPE" val="cover"/>
 </p:tagLst>
 </file>
@@ -10442,8 +10829,6 @@
       </a:bgFillStyleLst>
     </a:fmtScheme>
   </a:themeElements>
-  <a:objectDefaults/>
-  <a:extraClrSchemeLst/>
   <a:extLst>
     <a:ext uri="{05A4C25C-085E-4340-85A3-A5531E510DB2}">
       <thm15:themeFamily xmlns:thm15="http://schemas.microsoft.com/office/thememl/2012/main" name="Office Theme" id="{62F939B6-93AF-4DB8-9C6B-D6C7DFDC589F}" vid="{4A3C46E8-61CC-4603-A589-7422A47A8E4A}"/>
@@ -10703,8 +11088,6 @@
       </a:bgFillStyleLst>
     </a:fmtScheme>
   </a:themeElements>
-  <a:objectDefaults/>
-  <a:extraClrSchemeLst/>
   <a:extLst>
     <a:ext uri="{05A4C25C-085E-4340-85A3-A5531E510DB2}">
       <thm15:themeFamily xmlns:thm15="http://schemas.microsoft.com/office/thememl/2012/main" name="Office Theme" id="{62F939B6-93AF-4DB8-9C6B-D6C7DFDC589F}" vid="{4A3C46E8-61CC-4603-A589-7422A47A8E4A}"/>

--- a/doc/pre/CourseDB-Pre.pptx
+++ b/doc/pre/CourseDB-Pre.pptx
@@ -10091,7 +10091,7 @@
           <p:spPr>
             <a:xfrm>
               <a:off x="6646968" y="1173606"/>
-              <a:ext cx="3140348" cy="461665"/>
+              <a:ext cx="3140348" cy="460375"/>
             </a:xfrm>
             <a:prstGeom prst="rect">
               <a:avLst/>
@@ -10112,7 +10112,7 @@
                   <a:latin typeface="思源宋体 Heavy" panose="02020900000000000000" pitchFamily="18" charset="-122"/>
                   <a:ea typeface="思源宋体 Heavy" panose="02020900000000000000" pitchFamily="18" charset="-122"/>
                 </a:rPr>
-                <a:t>事务模块</a:t>
+                <a:t>用户模块</a:t>
               </a:r>
               <a:endParaRPr lang="zh-CN" altLang="en-US" sz="2400" b="1" dirty="0">
                 <a:solidFill>
